--- a/발표/5조최종.pptx
+++ b/발표/5조최종.pptx
@@ -22,6 +22,7 @@
     <p:sldId id="273" r:id="rId16"/>
     <p:sldId id="274" r:id="rId17"/>
     <p:sldId id="262" r:id="rId18"/>
+    <p:sldId id="275" r:id="rId19"/>
   </p:sldIdLst>
   <p:sldSz cx="12192000" cy="6858000"/>
   <p:notesSz cx="6858000" cy="9144000"/>
@@ -128,46 +129,68 @@
 </p:presentation>
 </file>
 
-<file path=ppt/revisionInfo.xml><?xml version="1.0" encoding="utf-8"?>
-<p1510:revInfo xmlns:a="http://schemas.openxmlformats.org/drawingml/2006/main" xmlns:r="http://schemas.openxmlformats.org/officeDocument/2006/relationships" xmlns:p1510="http://schemas.microsoft.com/office/powerpoint/2015/10/main">
-  <p1510:revLst>
-    <p1510:client id="{B2A1B96E-6E3A-4BEF-8DA1-15374640BE6C}" v="19" dt="2025-09-24T11:30:55.005"/>
-  </p1510:revLst>
-</p1510:revInfo>
-</file>
-
 <file path=ppt/changesInfos/changesInfo1.xml><?xml version="1.0" encoding="utf-8"?>
 <pc:chgInfo xmlns:a="http://schemas.openxmlformats.org/drawingml/2006/main" xmlns:r="http://schemas.openxmlformats.org/officeDocument/2006/relationships" xmlns:ac="http://schemas.microsoft.com/office/drawing/2013/main/command" xmlns:pc="http://schemas.microsoft.com/office/powerpoint/2013/main/command">
   <pc:docChgLst>
     <pc:chgData name="경현 이" userId="2165d968411e2a35" providerId="LiveId" clId="{333D1FBC-A04C-4B1F-A45B-62E7BFA2DEBC}"/>
-    <pc:docChg chg="undo custSel addSld modSld">
-      <pc:chgData name="경현 이" userId="2165d968411e2a35" providerId="LiveId" clId="{333D1FBC-A04C-4B1F-A45B-62E7BFA2DEBC}" dt="2025-09-24T11:31:34.992" v="766" actId="14100"/>
+    <pc:docChg chg="undo custSel modSld">
+      <pc:chgData name="경현 이" userId="2165d968411e2a35" providerId="LiveId" clId="{333D1FBC-A04C-4B1F-A45B-62E7BFA2DEBC}" dt="2025-09-25T01:24:52.555" v="20" actId="207"/>
       <pc:docMkLst>
         <pc:docMk/>
       </pc:docMkLst>
       <pc:sldChg chg="modSp mod">
-        <pc:chgData name="경현 이" userId="2165d968411e2a35" providerId="LiveId" clId="{333D1FBC-A04C-4B1F-A45B-62E7BFA2DEBC}" dt="2025-09-24T08:15:58.633" v="153" actId="20577"/>
+        <pc:chgData name="경현 이" userId="2165d968411e2a35" providerId="LiveId" clId="{333D1FBC-A04C-4B1F-A45B-62E7BFA2DEBC}" dt="2025-09-25T01:23:32.486" v="2" actId="207"/>
+        <pc:sldMkLst>
+          <pc:docMk/>
+          <pc:sldMk cId="0" sldId="257"/>
+        </pc:sldMkLst>
+        <pc:spChg chg="mod">
+          <ac:chgData name="경현 이" userId="2165d968411e2a35" providerId="LiveId" clId="{333D1FBC-A04C-4B1F-A45B-62E7BFA2DEBC}" dt="2025-09-25T01:23:32.486" v="2" actId="207"/>
+          <ac:spMkLst>
+            <pc:docMk/>
+            <pc:sldMk cId="0" sldId="257"/>
+            <ac:spMk id="2" creationId="{00000000-0000-0000-0000-000000000000}"/>
+          </ac:spMkLst>
+        </pc:spChg>
+      </pc:sldChg>
+      <pc:sldChg chg="modSp mod">
+        <pc:chgData name="경현 이" userId="2165d968411e2a35" providerId="LiveId" clId="{333D1FBC-A04C-4B1F-A45B-62E7BFA2DEBC}" dt="2025-09-25T01:23:38.721" v="3" actId="207"/>
         <pc:sldMkLst>
           <pc:docMk/>
           <pc:sldMk cId="971360948" sldId="258"/>
         </pc:sldMkLst>
         <pc:spChg chg="mod">
-          <ac:chgData name="경현 이" userId="2165d968411e2a35" providerId="LiveId" clId="{333D1FBC-A04C-4B1F-A45B-62E7BFA2DEBC}" dt="2025-09-24T08:15:58.633" v="153" actId="20577"/>
+          <ac:chgData name="경현 이" userId="2165d968411e2a35" providerId="LiveId" clId="{333D1FBC-A04C-4B1F-A45B-62E7BFA2DEBC}" dt="2025-09-25T01:23:38.721" v="3" actId="207"/>
           <ac:spMkLst>
             <pc:docMk/>
             <pc:sldMk cId="971360948" sldId="258"/>
-            <ac:spMk id="8" creationId="{CDF29D05-4A2B-09C8-2A14-0EF88D4E6B5F}"/>
+            <ac:spMk id="2" creationId="{80C94732-C050-1E4C-E99F-2B9643C16350}"/>
           </ac:spMkLst>
         </pc:spChg>
       </pc:sldChg>
-      <pc:sldChg chg="addSp delSp modSp mod">
-        <pc:chgData name="경현 이" userId="2165d968411e2a35" providerId="LiveId" clId="{333D1FBC-A04C-4B1F-A45B-62E7BFA2DEBC}" dt="2025-09-24T09:24:37.826" v="185" actId="1076"/>
+      <pc:sldChg chg="modSp mod">
+        <pc:chgData name="경현 이" userId="2165d968411e2a35" providerId="LiveId" clId="{333D1FBC-A04C-4B1F-A45B-62E7BFA2DEBC}" dt="2025-09-25T01:23:43.116" v="4" actId="207"/>
+        <pc:sldMkLst>
+          <pc:docMk/>
+          <pc:sldMk cId="3112209629" sldId="259"/>
+        </pc:sldMkLst>
+        <pc:spChg chg="mod">
+          <ac:chgData name="경현 이" userId="2165d968411e2a35" providerId="LiveId" clId="{333D1FBC-A04C-4B1F-A45B-62E7BFA2DEBC}" dt="2025-09-25T01:23:43.116" v="4" actId="207"/>
+          <ac:spMkLst>
+            <pc:docMk/>
+            <pc:sldMk cId="3112209629" sldId="259"/>
+            <ac:spMk id="2" creationId="{9A5B13C3-BF1B-7C64-79B6-CA036ED3C5FA}"/>
+          </ac:spMkLst>
+        </pc:spChg>
+      </pc:sldChg>
+      <pc:sldChg chg="modSp mod">
+        <pc:chgData name="경현 이" userId="2165d968411e2a35" providerId="LiveId" clId="{333D1FBC-A04C-4B1F-A45B-62E7BFA2DEBC}" dt="2025-09-25T01:23:19.916" v="1" actId="207"/>
         <pc:sldMkLst>
           <pc:docMk/>
           <pc:sldMk cId="2098830706" sldId="260"/>
         </pc:sldMkLst>
-        <pc:spChg chg="add del mod">
-          <ac:chgData name="경현 이" userId="2165d968411e2a35" providerId="LiveId" clId="{333D1FBC-A04C-4B1F-A45B-62E7BFA2DEBC}" dt="2025-09-24T09:24:37.826" v="185" actId="1076"/>
+        <pc:spChg chg="mod">
+          <ac:chgData name="경현 이" userId="2165d968411e2a35" providerId="LiveId" clId="{333D1FBC-A04C-4B1F-A45B-62E7BFA2DEBC}" dt="2025-09-25T01:23:19.916" v="1" actId="207"/>
           <ac:spMkLst>
             <pc:docMk/>
             <pc:sldMk cId="2098830706" sldId="260"/>
@@ -175,288 +198,231 @@
           </ac:spMkLst>
         </pc:spChg>
         <pc:spChg chg="mod">
-          <ac:chgData name="경현 이" userId="2165d968411e2a35" providerId="LiveId" clId="{333D1FBC-A04C-4B1F-A45B-62E7BFA2DEBC}" dt="2025-09-24T09:24:31.282" v="181" actId="1076"/>
+          <ac:chgData name="경현 이" userId="2165d968411e2a35" providerId="LiveId" clId="{333D1FBC-A04C-4B1F-A45B-62E7BFA2DEBC}" dt="2025-09-25T01:22:10.371" v="0" actId="1076"/>
           <ac:spMkLst>
             <pc:docMk/>
             <pc:sldMk cId="2098830706" sldId="260"/>
-            <ac:spMk id="3" creationId="{180C9704-46D1-9B3E-A98F-3C9790A9A9C9}"/>
-          </ac:spMkLst>
-        </pc:spChg>
-        <pc:spChg chg="add mod">
-          <ac:chgData name="경현 이" userId="2165d968411e2a35" providerId="LiveId" clId="{333D1FBC-A04C-4B1F-A45B-62E7BFA2DEBC}" dt="2025-09-24T09:24:28.833" v="179" actId="571"/>
-          <ac:spMkLst>
-            <pc:docMk/>
-            <pc:sldMk cId="2098830706" sldId="260"/>
-            <ac:spMk id="4" creationId="{6F38E798-7382-724E-636B-380D74B1121D}"/>
-          </ac:spMkLst>
-        </pc:spChg>
-        <pc:spChg chg="add mod">
-          <ac:chgData name="경현 이" userId="2165d968411e2a35" providerId="LiveId" clId="{333D1FBC-A04C-4B1F-A45B-62E7BFA2DEBC}" dt="2025-09-24T09:24:28.833" v="179" actId="571"/>
-          <ac:spMkLst>
-            <pc:docMk/>
-            <pc:sldMk cId="2098830706" sldId="260"/>
-            <ac:spMk id="5" creationId="{7C5380E7-9151-B054-A049-4BD81540C072}"/>
-          </ac:spMkLst>
-        </pc:spChg>
-        <pc:spChg chg="mod">
-          <ac:chgData name="경현 이" userId="2165d968411e2a35" providerId="LiveId" clId="{333D1FBC-A04C-4B1F-A45B-62E7BFA2DEBC}" dt="2025-09-24T09:24:30.410" v="180" actId="1076"/>
-          <ac:spMkLst>
-            <pc:docMk/>
-            <pc:sldMk cId="2098830706" sldId="260"/>
-            <ac:spMk id="25" creationId="{DD5D5488-F830-92FB-EB41-650490AD5B05}"/>
-          </ac:spMkLst>
-        </pc:spChg>
-        <pc:spChg chg="mod">
-          <ac:chgData name="경현 이" userId="2165d968411e2a35" providerId="LiveId" clId="{333D1FBC-A04C-4B1F-A45B-62E7BFA2DEBC}" dt="2025-09-24T09:24:30.410" v="180" actId="1076"/>
-          <ac:spMkLst>
-            <pc:docMk/>
-            <pc:sldMk cId="2098830706" sldId="260"/>
-            <ac:spMk id="26" creationId="{F1A49A12-FB83-647D-4070-D9C0716999E8}"/>
-          </ac:spMkLst>
-        </pc:spChg>
-        <pc:spChg chg="mod">
-          <ac:chgData name="경현 이" userId="2165d968411e2a35" providerId="LiveId" clId="{333D1FBC-A04C-4B1F-A45B-62E7BFA2DEBC}" dt="2025-09-24T09:22:57.297" v="175" actId="6559"/>
-          <ac:spMkLst>
-            <pc:docMk/>
-            <pc:sldMk cId="2098830706" sldId="260"/>
-            <ac:spMk id="27" creationId="{9F9BF7FA-E191-FF1B-117E-119249EE8856}"/>
+            <ac:spMk id="7" creationId="{897FDE8A-0511-FD70-C7C7-83E27AD2707C}"/>
           </ac:spMkLst>
         </pc:spChg>
       </pc:sldChg>
-      <pc:sldChg chg="addSp delSp modSp mod">
-        <pc:chgData name="경현 이" userId="2165d968411e2a35" providerId="LiveId" clId="{333D1FBC-A04C-4B1F-A45B-62E7BFA2DEBC}" dt="2025-09-24T08:10:03.024" v="139" actId="1076"/>
+      <pc:sldChg chg="modSp mod">
+        <pc:chgData name="경현 이" userId="2165d968411e2a35" providerId="LiveId" clId="{333D1FBC-A04C-4B1F-A45B-62E7BFA2DEBC}" dt="2025-09-25T01:23:49.835" v="5" actId="207"/>
         <pc:sldMkLst>
           <pc:docMk/>
           <pc:sldMk cId="90758257" sldId="261"/>
         </pc:sldMkLst>
-        <pc:picChg chg="add mod">
-          <ac:chgData name="경현 이" userId="2165d968411e2a35" providerId="LiveId" clId="{333D1FBC-A04C-4B1F-A45B-62E7BFA2DEBC}" dt="2025-09-24T08:09:51.228" v="135" actId="14100"/>
-          <ac:picMkLst>
+        <pc:spChg chg="mod">
+          <ac:chgData name="경현 이" userId="2165d968411e2a35" providerId="LiveId" clId="{333D1FBC-A04C-4B1F-A45B-62E7BFA2DEBC}" dt="2025-09-25T01:23:49.835" v="5" actId="207"/>
+          <ac:spMkLst>
             <pc:docMk/>
             <pc:sldMk cId="90758257" sldId="261"/>
-            <ac:picMk id="5" creationId="{934DD7E3-BB5D-6F82-9671-EE4443349699}"/>
-          </ac:picMkLst>
-        </pc:picChg>
-        <pc:picChg chg="add mod">
-          <ac:chgData name="경현 이" userId="2165d968411e2a35" providerId="LiveId" clId="{333D1FBC-A04C-4B1F-A45B-62E7BFA2DEBC}" dt="2025-09-24T08:10:03.024" v="139" actId="1076"/>
-          <ac:picMkLst>
-            <pc:docMk/>
-            <pc:sldMk cId="90758257" sldId="261"/>
-            <ac:picMk id="8" creationId="{20059281-9DF5-41D0-2C8D-0FD17BA9DF77}"/>
-          </ac:picMkLst>
-        </pc:picChg>
-        <pc:picChg chg="del mod">
-          <ac:chgData name="경현 이" userId="2165d968411e2a35" providerId="LiveId" clId="{333D1FBC-A04C-4B1F-A45B-62E7BFA2DEBC}" dt="2025-09-24T08:09:14.044" v="118" actId="478"/>
-          <ac:picMkLst>
-            <pc:docMk/>
-            <pc:sldMk cId="90758257" sldId="261"/>
-            <ac:picMk id="16" creationId="{A74172A9-85C8-ECC0-00C3-458D503A3926}"/>
-          </ac:picMkLst>
-        </pc:picChg>
-        <pc:picChg chg="del">
-          <ac:chgData name="경현 이" userId="2165d968411e2a35" providerId="LiveId" clId="{333D1FBC-A04C-4B1F-A45B-62E7BFA2DEBC}" dt="2025-09-24T08:09:14.309" v="119" actId="478"/>
-          <ac:picMkLst>
-            <pc:docMk/>
-            <pc:sldMk cId="90758257" sldId="261"/>
-            <ac:picMk id="18" creationId="{54ADCF95-1D78-7885-B691-0D91DED0BAD3}"/>
-          </ac:picMkLst>
-        </pc:picChg>
+            <ac:spMk id="2" creationId="{FFBCE1A7-52C7-D12C-D95B-6877741F4DF0}"/>
+          </ac:spMkLst>
+        </pc:spChg>
       </pc:sldChg>
-      <pc:sldChg chg="addSp modSp mod">
-        <pc:chgData name="경현 이" userId="2165d968411e2a35" providerId="LiveId" clId="{333D1FBC-A04C-4B1F-A45B-62E7BFA2DEBC}" dt="2025-09-24T11:31:34.992" v="766" actId="14100"/>
+      <pc:sldChg chg="modSp mod">
+        <pc:chgData name="경현 이" userId="2165d968411e2a35" providerId="LiveId" clId="{333D1FBC-A04C-4B1F-A45B-62E7BFA2DEBC}" dt="2025-09-25T01:24:44.876" v="19" actId="207"/>
         <pc:sldMkLst>
           <pc:docMk/>
           <pc:sldMk cId="563968905" sldId="262"/>
         </pc:sldMkLst>
         <pc:spChg chg="mod">
-          <ac:chgData name="경현 이" userId="2165d968411e2a35" providerId="LiveId" clId="{333D1FBC-A04C-4B1F-A45B-62E7BFA2DEBC}" dt="2025-09-24T11:03:55.700" v="721" actId="1076"/>
+          <ac:chgData name="경현 이" userId="2165d968411e2a35" providerId="LiveId" clId="{333D1FBC-A04C-4B1F-A45B-62E7BFA2DEBC}" dt="2025-09-25T01:24:44.876" v="19" actId="207"/>
           <ac:spMkLst>
             <pc:docMk/>
             <pc:sldMk cId="563968905" sldId="262"/>
             <ac:spMk id="2" creationId="{C9C0777F-F217-51D9-124D-85876703B6D4}"/>
           </ac:spMkLst>
         </pc:spChg>
+      </pc:sldChg>
+      <pc:sldChg chg="modSp mod">
+        <pc:chgData name="경현 이" userId="2165d968411e2a35" providerId="LiveId" clId="{333D1FBC-A04C-4B1F-A45B-62E7BFA2DEBC}" dt="2025-09-25T01:23:58.920" v="6" actId="207"/>
+        <pc:sldMkLst>
+          <pc:docMk/>
+          <pc:sldMk cId="1607911831" sldId="263"/>
+        </pc:sldMkLst>
         <pc:spChg chg="mod">
-          <ac:chgData name="경현 이" userId="2165d968411e2a35" providerId="LiveId" clId="{333D1FBC-A04C-4B1F-A45B-62E7BFA2DEBC}" dt="2025-09-24T11:31:34.992" v="766" actId="14100"/>
+          <ac:chgData name="경현 이" userId="2165d968411e2a35" providerId="LiveId" clId="{333D1FBC-A04C-4B1F-A45B-62E7BFA2DEBC}" dt="2025-09-25T01:23:58.920" v="6" actId="207"/>
           <ac:spMkLst>
             <pc:docMk/>
-            <pc:sldMk cId="563968905" sldId="262"/>
-            <ac:spMk id="3" creationId="{0748EC71-B38A-62C7-7467-DCB0D6EA0829}"/>
-          </ac:spMkLst>
-        </pc:spChg>
-        <pc:spChg chg="add mod">
-          <ac:chgData name="경현 이" userId="2165d968411e2a35" providerId="LiveId" clId="{333D1FBC-A04C-4B1F-A45B-62E7BFA2DEBC}" dt="2025-09-24T10:59:02.017" v="711" actId="20577"/>
-          <ac:spMkLst>
-            <pc:docMk/>
-            <pc:sldMk cId="563968905" sldId="262"/>
-            <ac:spMk id="4" creationId="{09FBB04C-3E32-7BBD-B827-E7C4E665F7A8}"/>
-          </ac:spMkLst>
-        </pc:spChg>
-        <pc:spChg chg="add mod">
-          <ac:chgData name="경현 이" userId="2165d968411e2a35" providerId="LiveId" clId="{333D1FBC-A04C-4B1F-A45B-62E7BFA2DEBC}" dt="2025-09-24T11:04:19.148" v="734" actId="1035"/>
-          <ac:spMkLst>
-            <pc:docMk/>
-            <pc:sldMk cId="563968905" sldId="262"/>
-            <ac:spMk id="6" creationId="{D242E97C-8925-74BF-E8D5-790D64F4A94D}"/>
-          </ac:spMkLst>
-        </pc:spChg>
-        <pc:spChg chg="mod">
-          <ac:chgData name="경현 이" userId="2165d968411e2a35" providerId="LiveId" clId="{333D1FBC-A04C-4B1F-A45B-62E7BFA2DEBC}" dt="2025-09-24T10:32:55.125" v="578" actId="20577"/>
-          <ac:spMkLst>
-            <pc:docMk/>
-            <pc:sldMk cId="563968905" sldId="262"/>
-            <ac:spMk id="7" creationId="{FFE03779-E2A6-6823-0078-D838ABC0BCDB}"/>
-          </ac:spMkLst>
-        </pc:spChg>
-        <pc:spChg chg="add mod">
-          <ac:chgData name="경현 이" userId="2165d968411e2a35" providerId="LiveId" clId="{333D1FBC-A04C-4B1F-A45B-62E7BFA2DEBC}" dt="2025-09-24T09:56:36.633" v="529"/>
-          <ac:spMkLst>
-            <pc:docMk/>
-            <pc:sldMk cId="563968905" sldId="262"/>
-            <ac:spMk id="8" creationId="{7655DB8D-E61E-FF1E-9876-BBFFDEDD0B2D}"/>
-          </ac:spMkLst>
-        </pc:spChg>
-        <pc:spChg chg="mod">
-          <ac:chgData name="경현 이" userId="2165d968411e2a35" providerId="LiveId" clId="{333D1FBC-A04C-4B1F-A45B-62E7BFA2DEBC}" dt="2025-09-24T09:27:22.478" v="188" actId="1036"/>
-          <ac:spMkLst>
-            <pc:docMk/>
-            <pc:sldMk cId="563968905" sldId="262"/>
-            <ac:spMk id="9" creationId="{33F7518F-2BC0-4B88-7B9F-2523135CC656}"/>
-          </ac:spMkLst>
-        </pc:spChg>
-        <pc:spChg chg="add mod">
-          <ac:chgData name="경현 이" userId="2165d968411e2a35" providerId="LiveId" clId="{333D1FBC-A04C-4B1F-A45B-62E7BFA2DEBC}" dt="2025-09-24T11:31:25.874" v="765" actId="1035"/>
-          <ac:spMkLst>
-            <pc:docMk/>
-            <pc:sldMk cId="563968905" sldId="262"/>
-            <ac:spMk id="12" creationId="{6AFF7996-EAEA-5634-15CA-560C0723EA5C}"/>
-          </ac:spMkLst>
-        </pc:spChg>
-        <pc:spChg chg="add mod">
-          <ac:chgData name="경현 이" userId="2165d968411e2a35" providerId="LiveId" clId="{333D1FBC-A04C-4B1F-A45B-62E7BFA2DEBC}" dt="2025-09-24T11:03:59.716" v="723" actId="1076"/>
-          <ac:spMkLst>
-            <pc:docMk/>
-            <pc:sldMk cId="563968905" sldId="262"/>
-            <ac:spMk id="14" creationId="{377A96D8-9345-1B99-DA54-7844914D2385}"/>
-          </ac:spMkLst>
-        </pc:spChg>
-        <pc:spChg chg="add mod">
-          <ac:chgData name="경현 이" userId="2165d968411e2a35" providerId="LiveId" clId="{333D1FBC-A04C-4B1F-A45B-62E7BFA2DEBC}" dt="2025-09-24T11:04:02.863" v="724" actId="1076"/>
-          <ac:spMkLst>
-            <pc:docMk/>
-            <pc:sldMk cId="563968905" sldId="262"/>
-            <ac:spMk id="15" creationId="{F576FDAA-3A85-CF1E-4BEE-9F2990B9D79B}"/>
+            <pc:sldMk cId="1607911831" sldId="263"/>
+            <ac:spMk id="2" creationId="{EA21B4CA-6C32-924B-A36F-D6355C3FFF93}"/>
           </ac:spMkLst>
         </pc:spChg>
       </pc:sldChg>
       <pc:sldChg chg="modSp mod">
-        <pc:chgData name="경현 이" userId="2165d968411e2a35" providerId="LiveId" clId="{333D1FBC-A04C-4B1F-A45B-62E7BFA2DEBC}" dt="2025-09-24T08:10:10.428" v="140" actId="14100"/>
+        <pc:chgData name="경현 이" userId="2165d968411e2a35" providerId="LiveId" clId="{333D1FBC-A04C-4B1F-A45B-62E7BFA2DEBC}" dt="2025-09-25T01:24:02.025" v="7" actId="207"/>
         <pc:sldMkLst>
           <pc:docMk/>
           <pc:sldMk cId="1028039826" sldId="264"/>
         </pc:sldMkLst>
-        <pc:picChg chg="mod modCrop">
-          <ac:chgData name="경현 이" userId="2165d968411e2a35" providerId="LiveId" clId="{333D1FBC-A04C-4B1F-A45B-62E7BFA2DEBC}" dt="2025-09-24T08:10:10.428" v="140" actId="14100"/>
-          <ac:picMkLst>
+        <pc:spChg chg="mod">
+          <ac:chgData name="경현 이" userId="2165d968411e2a35" providerId="LiveId" clId="{333D1FBC-A04C-4B1F-A45B-62E7BFA2DEBC}" dt="2025-09-25T01:24:02.025" v="7" actId="207"/>
+          <ac:spMkLst>
             <pc:docMk/>
             <pc:sldMk cId="1028039826" sldId="264"/>
-            <ac:picMk id="6" creationId="{450CCDE0-A5F0-21FC-033F-602AB0747581}"/>
-          </ac:picMkLst>
-        </pc:picChg>
-        <pc:picChg chg="mod modCrop">
-          <ac:chgData name="경현 이" userId="2165d968411e2a35" providerId="LiveId" clId="{333D1FBC-A04C-4B1F-A45B-62E7BFA2DEBC}" dt="2025-09-24T08:06:10.104" v="117" actId="14100"/>
-          <ac:picMkLst>
+            <ac:spMk id="2" creationId="{A058C775-C3C1-30D1-30F0-F28AEF9CD13E}"/>
+          </ac:spMkLst>
+        </pc:spChg>
+      </pc:sldChg>
+      <pc:sldChg chg="modSp mod">
+        <pc:chgData name="경현 이" userId="2165d968411e2a35" providerId="LiveId" clId="{333D1FBC-A04C-4B1F-A45B-62E7BFA2DEBC}" dt="2025-09-25T01:24:20.111" v="11" actId="207"/>
+        <pc:sldMkLst>
+          <pc:docMk/>
+          <pc:sldMk cId="4070671390" sldId="265"/>
+        </pc:sldMkLst>
+        <pc:spChg chg="mod">
+          <ac:chgData name="경현 이" userId="2165d968411e2a35" providerId="LiveId" clId="{333D1FBC-A04C-4B1F-A45B-62E7BFA2DEBC}" dt="2025-09-25T01:24:20.111" v="11" actId="207"/>
+          <ac:spMkLst>
             <pc:docMk/>
-            <pc:sldMk cId="1028039826" sldId="264"/>
-            <ac:picMk id="10" creationId="{B6C4071F-021E-A633-F044-38F5C259ACEE}"/>
-          </ac:picMkLst>
-        </pc:picChg>
+            <pc:sldMk cId="4070671390" sldId="265"/>
+            <ac:spMk id="2" creationId="{59E379D1-470C-550A-A2F6-DF3D6B1FB4A3}"/>
+          </ac:spMkLst>
+        </pc:spChg>
       </pc:sldChg>
-      <pc:sldChg chg="addSp delSp modSp mod">
-        <pc:chgData name="경현 이" userId="2165d968411e2a35" providerId="LiveId" clId="{333D1FBC-A04C-4B1F-A45B-62E7BFA2DEBC}" dt="2025-09-24T08:12:34.303" v="152" actId="1076"/>
+      <pc:sldChg chg="modSp mod">
+        <pc:chgData name="경현 이" userId="2165d968411e2a35" providerId="LiveId" clId="{333D1FBC-A04C-4B1F-A45B-62E7BFA2DEBC}" dt="2025-09-25T01:24:23.343" v="12" actId="207"/>
+        <pc:sldMkLst>
+          <pc:docMk/>
+          <pc:sldMk cId="3095106362" sldId="266"/>
+        </pc:sldMkLst>
+        <pc:spChg chg="mod">
+          <ac:chgData name="경현 이" userId="2165d968411e2a35" providerId="LiveId" clId="{333D1FBC-A04C-4B1F-A45B-62E7BFA2DEBC}" dt="2025-09-25T01:24:23.343" v="12" actId="207"/>
+          <ac:spMkLst>
+            <pc:docMk/>
+            <pc:sldMk cId="3095106362" sldId="266"/>
+            <ac:spMk id="2" creationId="{D5243EC0-EF88-DA7E-FBBD-764B6487C726}"/>
+          </ac:spMkLst>
+        </pc:spChg>
+      </pc:sldChg>
+      <pc:sldChg chg="modSp mod">
+        <pc:chgData name="경현 이" userId="2165d968411e2a35" providerId="LiveId" clId="{333D1FBC-A04C-4B1F-A45B-62E7BFA2DEBC}" dt="2025-09-25T01:24:09.767" v="10" actId="207"/>
         <pc:sldMkLst>
           <pc:docMk/>
           <pc:sldMk cId="823197770" sldId="267"/>
         </pc:sldMkLst>
-        <pc:picChg chg="add mod">
-          <ac:chgData name="경현 이" userId="2165d968411e2a35" providerId="LiveId" clId="{333D1FBC-A04C-4B1F-A45B-62E7BFA2DEBC}" dt="2025-09-24T08:12:34.303" v="152" actId="1076"/>
-          <ac:picMkLst>
+        <pc:spChg chg="mod">
+          <ac:chgData name="경현 이" userId="2165d968411e2a35" providerId="LiveId" clId="{333D1FBC-A04C-4B1F-A45B-62E7BFA2DEBC}" dt="2025-09-25T01:24:09.767" v="10" actId="207"/>
+          <ac:spMkLst>
             <pc:docMk/>
             <pc:sldMk cId="823197770" sldId="267"/>
-            <ac:picMk id="5" creationId="{C079D419-0438-129D-EF77-48479828D6C5}"/>
-          </ac:picMkLst>
-        </pc:picChg>
-        <pc:picChg chg="del">
-          <ac:chgData name="경현 이" userId="2165d968411e2a35" providerId="LiveId" clId="{333D1FBC-A04C-4B1F-A45B-62E7BFA2DEBC}" dt="2025-09-24T08:10:23.466" v="142" actId="478"/>
-          <ac:picMkLst>
+            <ac:spMk id="2" creationId="{63CC8FA8-4CD6-AFFB-4C1B-F2B186353E1C}"/>
+          </ac:spMkLst>
+        </pc:spChg>
+        <pc:spChg chg="mod">
+          <ac:chgData name="경현 이" userId="2165d968411e2a35" providerId="LiveId" clId="{333D1FBC-A04C-4B1F-A45B-62E7BFA2DEBC}" dt="2025-09-25T01:24:08.184" v="9" actId="207"/>
+          <ac:spMkLst>
             <pc:docMk/>
             <pc:sldMk cId="823197770" sldId="267"/>
-            <ac:picMk id="9" creationId="{C6DD85E1-C073-D3B6-667A-913A686D0124}"/>
-          </ac:picMkLst>
-        </pc:picChg>
-        <pc:picChg chg="del">
-          <ac:chgData name="경현 이" userId="2165d968411e2a35" providerId="LiveId" clId="{333D1FBC-A04C-4B1F-A45B-62E7BFA2DEBC}" dt="2025-09-24T08:10:21.559" v="141" actId="478"/>
-          <ac:picMkLst>
+            <ac:spMk id="7" creationId="{4F57DC69-7812-B0B8-6E43-AB683FE2DC97}"/>
+          </ac:spMkLst>
+        </pc:spChg>
+      </pc:sldChg>
+      <pc:sldChg chg="modSp mod">
+        <pc:chgData name="경현 이" userId="2165d968411e2a35" providerId="LiveId" clId="{333D1FBC-A04C-4B1F-A45B-62E7BFA2DEBC}" dt="2025-09-25T01:24:31.157" v="14" actId="207"/>
+        <pc:sldMkLst>
+          <pc:docMk/>
+          <pc:sldMk cId="3756499384" sldId="269"/>
+        </pc:sldMkLst>
+        <pc:spChg chg="mod">
+          <ac:chgData name="경현 이" userId="2165d968411e2a35" providerId="LiveId" clId="{333D1FBC-A04C-4B1F-A45B-62E7BFA2DEBC}" dt="2025-09-25T01:24:31.157" v="14" actId="207"/>
+          <ac:spMkLst>
             <pc:docMk/>
-            <pc:sldMk cId="823197770" sldId="267"/>
-            <ac:picMk id="11" creationId="{7C1D8BCF-C5FE-8A53-0313-7BA2A1ABF36C}"/>
-          </ac:picMkLst>
-        </pc:picChg>
+            <pc:sldMk cId="3756499384" sldId="269"/>
+            <ac:spMk id="2" creationId="{563EFF22-4D45-49BF-8EB3-28300FFD050D}"/>
+          </ac:spMkLst>
+        </pc:spChg>
       </pc:sldChg>
-      <pc:sldChg chg="addSp delSp modSp add mod">
-        <pc:chgData name="경현 이" userId="2165d968411e2a35" providerId="LiveId" clId="{333D1FBC-A04C-4B1F-A45B-62E7BFA2DEBC}" dt="2025-09-24T08:48:19.267" v="174" actId="1076"/>
+      <pc:sldChg chg="modSp mod">
+        <pc:chgData name="경현 이" userId="2165d968411e2a35" providerId="LiveId" clId="{333D1FBC-A04C-4B1F-A45B-62E7BFA2DEBC}" dt="2025-09-25T01:24:34.084" v="15" actId="207"/>
+        <pc:sldMkLst>
+          <pc:docMk/>
+          <pc:sldMk cId="1216164233" sldId="270"/>
+        </pc:sldMkLst>
+        <pc:spChg chg="mod">
+          <ac:chgData name="경현 이" userId="2165d968411e2a35" providerId="LiveId" clId="{333D1FBC-A04C-4B1F-A45B-62E7BFA2DEBC}" dt="2025-09-25T01:24:34.084" v="15" actId="207"/>
+          <ac:spMkLst>
+            <pc:docMk/>
+            <pc:sldMk cId="1216164233" sldId="270"/>
+            <ac:spMk id="2" creationId="{C332DE57-A3C7-C4AF-AE2C-5C59274F1E4F}"/>
+          </ac:spMkLst>
+        </pc:spChg>
+      </pc:sldChg>
+      <pc:sldChg chg="modSp mod">
+        <pc:chgData name="경현 이" userId="2165d968411e2a35" providerId="LiveId" clId="{333D1FBC-A04C-4B1F-A45B-62E7BFA2DEBC}" dt="2025-09-25T01:24:36.380" v="16" actId="207"/>
+        <pc:sldMkLst>
+          <pc:docMk/>
+          <pc:sldMk cId="2135226527" sldId="271"/>
+        </pc:sldMkLst>
+        <pc:spChg chg="mod">
+          <ac:chgData name="경현 이" userId="2165d968411e2a35" providerId="LiveId" clId="{333D1FBC-A04C-4B1F-A45B-62E7BFA2DEBC}" dt="2025-09-25T01:24:36.380" v="16" actId="207"/>
+          <ac:spMkLst>
+            <pc:docMk/>
+            <pc:sldMk cId="2135226527" sldId="271"/>
+            <ac:spMk id="2" creationId="{7DA495FF-2EC1-7763-67C5-4566D32DF076}"/>
+          </ac:spMkLst>
+        </pc:spChg>
+      </pc:sldChg>
+      <pc:sldChg chg="modSp mod">
+        <pc:chgData name="경현 이" userId="2165d968411e2a35" providerId="LiveId" clId="{333D1FBC-A04C-4B1F-A45B-62E7BFA2DEBC}" dt="2025-09-25T01:24:27.630" v="13" actId="207"/>
+        <pc:sldMkLst>
+          <pc:docMk/>
+          <pc:sldMk cId="2052633863" sldId="272"/>
+        </pc:sldMkLst>
+        <pc:spChg chg="mod">
+          <ac:chgData name="경현 이" userId="2165d968411e2a35" providerId="LiveId" clId="{333D1FBC-A04C-4B1F-A45B-62E7BFA2DEBC}" dt="2025-09-25T01:24:27.630" v="13" actId="207"/>
+          <ac:spMkLst>
+            <pc:docMk/>
+            <pc:sldMk cId="2052633863" sldId="272"/>
+            <ac:spMk id="2" creationId="{03104AEA-1226-1820-04E1-D1D77050CC62}"/>
+          </ac:spMkLst>
+        </pc:spChg>
+      </pc:sldChg>
+      <pc:sldChg chg="modSp mod">
+        <pc:chgData name="경현 이" userId="2165d968411e2a35" providerId="LiveId" clId="{333D1FBC-A04C-4B1F-A45B-62E7BFA2DEBC}" dt="2025-09-25T01:24:39.189" v="17" actId="207"/>
+        <pc:sldMkLst>
+          <pc:docMk/>
+          <pc:sldMk cId="3298213877" sldId="273"/>
+        </pc:sldMkLst>
+        <pc:spChg chg="mod">
+          <ac:chgData name="경현 이" userId="2165d968411e2a35" providerId="LiveId" clId="{333D1FBC-A04C-4B1F-A45B-62E7BFA2DEBC}" dt="2025-09-25T01:24:39.189" v="17" actId="207"/>
+          <ac:spMkLst>
+            <pc:docMk/>
+            <pc:sldMk cId="3298213877" sldId="273"/>
+            <ac:spMk id="2" creationId="{7C1D7832-BAFA-AAAD-1402-2CA5C04F9013}"/>
+          </ac:spMkLst>
+        </pc:spChg>
+      </pc:sldChg>
+      <pc:sldChg chg="modSp mod">
+        <pc:chgData name="경현 이" userId="2165d968411e2a35" providerId="LiveId" clId="{333D1FBC-A04C-4B1F-A45B-62E7BFA2DEBC}" dt="2025-09-25T01:24:41.797" v="18" actId="207"/>
         <pc:sldMkLst>
           <pc:docMk/>
           <pc:sldMk cId="3903371550" sldId="274"/>
         </pc:sldMkLst>
         <pc:spChg chg="mod">
-          <ac:chgData name="경현 이" userId="2165d968411e2a35" providerId="LiveId" clId="{333D1FBC-A04C-4B1F-A45B-62E7BFA2DEBC}" dt="2025-09-24T08:48:19.267" v="174" actId="1076"/>
+          <ac:chgData name="경현 이" userId="2165d968411e2a35" providerId="LiveId" clId="{333D1FBC-A04C-4B1F-A45B-62E7BFA2DEBC}" dt="2025-09-25T01:24:41.797" v="18" actId="207"/>
           <ac:spMkLst>
             <pc:docMk/>
             <pc:sldMk cId="3903371550" sldId="274"/>
             <ac:spMk id="2" creationId="{2B0FF777-8368-7867-08AC-A1AC38A8B61B}"/>
           </ac:spMkLst>
         </pc:spChg>
+      </pc:sldChg>
+      <pc:sldChg chg="modSp mod">
+        <pc:chgData name="경현 이" userId="2165d968411e2a35" providerId="LiveId" clId="{333D1FBC-A04C-4B1F-A45B-62E7BFA2DEBC}" dt="2025-09-25T01:24:52.555" v="20" actId="207"/>
+        <pc:sldMkLst>
+          <pc:docMk/>
+          <pc:sldMk cId="3982176750" sldId="275"/>
+        </pc:sldMkLst>
         <pc:spChg chg="mod">
-          <ac:chgData name="경현 이" userId="2165d968411e2a35" providerId="LiveId" clId="{333D1FBC-A04C-4B1F-A45B-62E7BFA2DEBC}" dt="2025-09-24T08:46:15.738" v="159" actId="20577"/>
+          <ac:chgData name="경현 이" userId="2165d968411e2a35" providerId="LiveId" clId="{333D1FBC-A04C-4B1F-A45B-62E7BFA2DEBC}" dt="2025-09-25T01:24:52.555" v="20" actId="207"/>
           <ac:spMkLst>
             <pc:docMk/>
-            <pc:sldMk cId="3903371550" sldId="274"/>
-            <ac:spMk id="12" creationId="{A365FBE0-46D6-5634-947B-B98AC961A01E}"/>
+            <pc:sldMk cId="3982176750" sldId="275"/>
+            <ac:spMk id="2" creationId="{CB4B72AD-2DCA-5D6E-EC1C-A1274537E6CD}"/>
           </ac:spMkLst>
         </pc:spChg>
-        <pc:picChg chg="del">
-          <ac:chgData name="경현 이" userId="2165d968411e2a35" providerId="LiveId" clId="{333D1FBC-A04C-4B1F-A45B-62E7BFA2DEBC}" dt="2025-09-24T08:46:18.492" v="160" actId="478"/>
-          <ac:picMkLst>
-            <pc:docMk/>
-            <pc:sldMk cId="3903371550" sldId="274"/>
-            <ac:picMk id="4" creationId="{4BD618ED-01A9-BE39-A60B-D20BEA9C5429}"/>
-          </ac:picMkLst>
-        </pc:picChg>
-        <pc:picChg chg="add del mod">
-          <ac:chgData name="경현 이" userId="2165d968411e2a35" providerId="LiveId" clId="{333D1FBC-A04C-4B1F-A45B-62E7BFA2DEBC}" dt="2025-09-24T08:47:18.490" v="172" actId="478"/>
-          <ac:picMkLst>
-            <pc:docMk/>
-            <pc:sldMk cId="3903371550" sldId="274"/>
-            <ac:picMk id="6" creationId="{F77A76D9-9EFA-3DD7-88CF-8159A332431D}"/>
-          </ac:picMkLst>
-        </pc:picChg>
-        <pc:picChg chg="del">
-          <ac:chgData name="경현 이" userId="2165d968411e2a35" providerId="LiveId" clId="{333D1FBC-A04C-4B1F-A45B-62E7BFA2DEBC}" dt="2025-09-24T08:46:18.838" v="161" actId="478"/>
-          <ac:picMkLst>
-            <pc:docMk/>
-            <pc:sldMk cId="3903371550" sldId="274"/>
-            <ac:picMk id="8" creationId="{8DFDA58B-5DE0-C47B-7A79-E83D99D328CA}"/>
-          </ac:picMkLst>
-        </pc:picChg>
-        <pc:picChg chg="add mod">
-          <ac:chgData name="경현 이" userId="2165d968411e2a35" providerId="LiveId" clId="{333D1FBC-A04C-4B1F-A45B-62E7BFA2DEBC}" dt="2025-09-24T08:47:19.331" v="173" actId="1076"/>
-          <ac:picMkLst>
-            <pc:docMk/>
-            <pc:sldMk cId="3903371550" sldId="274"/>
-            <ac:picMk id="10" creationId="{3CCF15F0-C41D-0346-E6AD-D01E177A9B63}"/>
-          </ac:picMkLst>
-        </pc:picChg>
       </pc:sldChg>
     </pc:docChg>
   </pc:docChgLst>
@@ -610,7 +576,7 @@
           <a:p>
             <a:fld id="{6F65D87B-9FAF-4497-A807-EB9609BA6BA1}" type="datetimeFigureOut">
               <a:rPr lang="ko-KR" altLang="en-US" smtClean="0"/>
-              <a:t>2025-09-24</a:t>
+              <a:t>2025-09-25</a:t>
             </a:fld>
             <a:endParaRPr lang="ko-KR" altLang="en-US"/>
           </a:p>
@@ -808,7 +774,7 @@
           <a:p>
             <a:fld id="{6F65D87B-9FAF-4497-A807-EB9609BA6BA1}" type="datetimeFigureOut">
               <a:rPr lang="ko-KR" altLang="en-US" smtClean="0"/>
-              <a:t>2025-09-24</a:t>
+              <a:t>2025-09-25</a:t>
             </a:fld>
             <a:endParaRPr lang="ko-KR" altLang="en-US"/>
           </a:p>
@@ -1016,7 +982,7 @@
           <a:p>
             <a:fld id="{6F65D87B-9FAF-4497-A807-EB9609BA6BA1}" type="datetimeFigureOut">
               <a:rPr lang="ko-KR" altLang="en-US" smtClean="0"/>
-              <a:t>2025-09-24</a:t>
+              <a:t>2025-09-25</a:t>
             </a:fld>
             <a:endParaRPr lang="ko-KR" altLang="en-US"/>
           </a:p>
@@ -1214,7 +1180,7 @@
           <a:p>
             <a:fld id="{6F65D87B-9FAF-4497-A807-EB9609BA6BA1}" type="datetimeFigureOut">
               <a:rPr lang="ko-KR" altLang="en-US" smtClean="0"/>
-              <a:t>2025-09-24</a:t>
+              <a:t>2025-09-25</a:t>
             </a:fld>
             <a:endParaRPr lang="ko-KR" altLang="en-US"/>
           </a:p>
@@ -1489,7 +1455,7 @@
           <a:p>
             <a:fld id="{6F65D87B-9FAF-4497-A807-EB9609BA6BA1}" type="datetimeFigureOut">
               <a:rPr lang="ko-KR" altLang="en-US" smtClean="0"/>
-              <a:t>2025-09-24</a:t>
+              <a:t>2025-09-25</a:t>
             </a:fld>
             <a:endParaRPr lang="ko-KR" altLang="en-US"/>
           </a:p>
@@ -1754,7 +1720,7 @@
           <a:p>
             <a:fld id="{6F65D87B-9FAF-4497-A807-EB9609BA6BA1}" type="datetimeFigureOut">
               <a:rPr lang="ko-KR" altLang="en-US" smtClean="0"/>
-              <a:t>2025-09-24</a:t>
+              <a:t>2025-09-25</a:t>
             </a:fld>
             <a:endParaRPr lang="ko-KR" altLang="en-US"/>
           </a:p>
@@ -2166,7 +2132,7 @@
           <a:p>
             <a:fld id="{6F65D87B-9FAF-4497-A807-EB9609BA6BA1}" type="datetimeFigureOut">
               <a:rPr lang="ko-KR" altLang="en-US" smtClean="0"/>
-              <a:t>2025-09-24</a:t>
+              <a:t>2025-09-25</a:t>
             </a:fld>
             <a:endParaRPr lang="ko-KR" altLang="en-US"/>
           </a:p>
@@ -2307,7 +2273,7 @@
           <a:p>
             <a:fld id="{6F65D87B-9FAF-4497-A807-EB9609BA6BA1}" type="datetimeFigureOut">
               <a:rPr lang="ko-KR" altLang="en-US" smtClean="0"/>
-              <a:t>2025-09-24</a:t>
+              <a:t>2025-09-25</a:t>
             </a:fld>
             <a:endParaRPr lang="ko-KR" altLang="en-US"/>
           </a:p>
@@ -2420,7 +2386,7 @@
           <a:p>
             <a:fld id="{6F65D87B-9FAF-4497-A807-EB9609BA6BA1}" type="datetimeFigureOut">
               <a:rPr lang="ko-KR" altLang="en-US" smtClean="0"/>
-              <a:t>2025-09-24</a:t>
+              <a:t>2025-09-25</a:t>
             </a:fld>
             <a:endParaRPr lang="ko-KR" altLang="en-US"/>
           </a:p>
@@ -2731,7 +2697,7 @@
           <a:p>
             <a:fld id="{6F65D87B-9FAF-4497-A807-EB9609BA6BA1}" type="datetimeFigureOut">
               <a:rPr lang="ko-KR" altLang="en-US" smtClean="0"/>
-              <a:t>2025-09-24</a:t>
+              <a:t>2025-09-25</a:t>
             </a:fld>
             <a:endParaRPr lang="ko-KR" altLang="en-US"/>
           </a:p>
@@ -3019,7 +2985,7 @@
           <a:p>
             <a:fld id="{6F65D87B-9FAF-4497-A807-EB9609BA6BA1}" type="datetimeFigureOut">
               <a:rPr lang="ko-KR" altLang="en-US" smtClean="0"/>
-              <a:t>2025-09-24</a:t>
+              <a:t>2025-09-25</a:t>
             </a:fld>
             <a:endParaRPr lang="ko-KR" altLang="en-US"/>
           </a:p>
@@ -3260,7 +3226,7 @@
           <a:p>
             <a:fld id="{6F65D87B-9FAF-4497-A807-EB9609BA6BA1}" type="datetimeFigureOut">
               <a:rPr lang="ko-KR" altLang="en-US" smtClean="0"/>
-              <a:t>2025-09-24</a:t>
+              <a:t>2025-09-25</a:t>
             </a:fld>
             <a:endParaRPr lang="ko-KR" altLang="en-US"/>
           </a:p>
@@ -3692,7 +3658,10 @@
             <a:avLst/>
           </a:prstGeom>
           <a:solidFill>
-            <a:srgbClr val="E8F5E9"/>
+            <a:schemeClr val="accent3">
+              <a:lumMod val="20000"/>
+              <a:lumOff val="80000"/>
+            </a:schemeClr>
           </a:solidFill>
           <a:ln>
             <a:noFill/>
@@ -3774,7 +3743,7 @@
         <p:spPr>
           <a:xfrm>
             <a:off x="2438400" y="927170"/>
-            <a:ext cx="7315200" cy="1929759"/>
+            <a:ext cx="7315200" cy="1985159"/>
           </a:xfrm>
           <a:prstGeom prst="rect">
             <a:avLst/>
@@ -3787,7 +3756,10 @@
           </a:bodyPr>
           <a:lstStyle/>
           <a:p>
-            <a:endParaRPr dirty="0"/>
+            <a:endParaRPr dirty="0">
+              <a:latin typeface="나눔고딕" panose="020D0604000000000000" pitchFamily="50" charset="-127"/>
+              <a:ea typeface="나눔고딕" panose="020D0604000000000000" pitchFamily="50" charset="-127"/>
+            </a:endParaRPr>
           </a:p>
           <a:p>
             <a:pPr algn="ctr">
@@ -3798,26 +3770,44 @@
               </a:defRPr>
             </a:pPr>
             <a:r>
-              <a:rPr sz="3000" dirty="0" err="1"/>
+              <a:rPr sz="3500" dirty="0" err="1">
+                <a:latin typeface="나눔고딕" panose="020D0604000000000000" pitchFamily="50" charset="-127"/>
+                <a:ea typeface="나눔고딕" panose="020D0604000000000000" pitchFamily="50" charset="-127"/>
+              </a:rPr>
               <a:t>친환경차량과</a:t>
             </a:r>
             <a:r>
-              <a:rPr sz="3000" dirty="0"/>
+              <a:rPr sz="3500" dirty="0">
+                <a:latin typeface="나눔고딕" panose="020D0604000000000000" pitchFamily="50" charset="-127"/>
+                <a:ea typeface="나눔고딕" panose="020D0604000000000000" pitchFamily="50" charset="-127"/>
+              </a:rPr>
               <a:t> </a:t>
             </a:r>
             <a:r>
-              <a:rPr sz="3000" dirty="0" err="1"/>
+              <a:rPr sz="3500" dirty="0" err="1">
+                <a:latin typeface="나눔고딕" panose="020D0604000000000000" pitchFamily="50" charset="-127"/>
+                <a:ea typeface="나눔고딕" panose="020D0604000000000000" pitchFamily="50" charset="-127"/>
+              </a:rPr>
               <a:t>비친환경</a:t>
             </a:r>
             <a:r>
-              <a:rPr sz="3000" dirty="0"/>
+              <a:rPr sz="3500" dirty="0">
+                <a:latin typeface="나눔고딕" panose="020D0604000000000000" pitchFamily="50" charset="-127"/>
+                <a:ea typeface="나눔고딕" panose="020D0604000000000000" pitchFamily="50" charset="-127"/>
+              </a:rPr>
               <a:t> </a:t>
             </a:r>
             <a:r>
-              <a:rPr sz="3000" dirty="0" err="1"/>
+              <a:rPr sz="3500" dirty="0" err="1">
+                <a:latin typeface="나눔고딕" panose="020D0604000000000000" pitchFamily="50" charset="-127"/>
+                <a:ea typeface="나눔고딕" panose="020D0604000000000000" pitchFamily="50" charset="-127"/>
+              </a:rPr>
               <a:t>차량의</a:t>
             </a:r>
-            <a:endParaRPr lang="en-US" sz="3000" dirty="0"/>
+            <a:endParaRPr lang="en-US" sz="3500" dirty="0">
+              <a:latin typeface="나눔고딕" panose="020D0604000000000000" pitchFamily="50" charset="-127"/>
+              <a:ea typeface="나눔고딕" panose="020D0604000000000000" pitchFamily="50" charset="-127"/>
+            </a:endParaRPr>
           </a:p>
           <a:p>
             <a:pPr algn="ctr">
@@ -3828,37 +3818,64 @@
               </a:defRPr>
             </a:pPr>
             <a:r>
-              <a:rPr sz="3000" dirty="0"/>
+              <a:rPr sz="3500" dirty="0">
+                <a:latin typeface="나눔고딕" panose="020D0604000000000000" pitchFamily="50" charset="-127"/>
+                <a:ea typeface="나눔고딕" panose="020D0604000000000000" pitchFamily="50" charset="-127"/>
+              </a:rPr>
               <a:t>10년간 </a:t>
             </a:r>
             <a:r>
-              <a:rPr sz="3000" dirty="0" err="1"/>
+              <a:rPr sz="3500" dirty="0" err="1">
+                <a:latin typeface="나눔고딕" panose="020D0604000000000000" pitchFamily="50" charset="-127"/>
+                <a:ea typeface="나눔고딕" panose="020D0604000000000000" pitchFamily="50" charset="-127"/>
+              </a:rPr>
               <a:t>변화추이</a:t>
             </a:r>
             <a:br>
-              <a:rPr sz="3000" dirty="0"/>
+              <a:rPr sz="3500" dirty="0">
+                <a:latin typeface="나눔고딕" panose="020D0604000000000000" pitchFamily="50" charset="-127"/>
+                <a:ea typeface="나눔고딕" panose="020D0604000000000000" pitchFamily="50" charset="-127"/>
+              </a:rPr>
             </a:br>
             <a:r>
-              <a:rPr sz="3000" dirty="0" err="1"/>
+              <a:rPr sz="3500" dirty="0" err="1">
+                <a:latin typeface="나눔고딕" panose="020D0604000000000000" pitchFamily="50" charset="-127"/>
+                <a:ea typeface="나눔고딕" panose="020D0604000000000000" pitchFamily="50" charset="-127"/>
+              </a:rPr>
               <a:t>신규</a:t>
             </a:r>
             <a:r>
-              <a:rPr sz="3000" dirty="0"/>
+              <a:rPr sz="3500" dirty="0">
+                <a:latin typeface="나눔고딕" panose="020D0604000000000000" pitchFamily="50" charset="-127"/>
+                <a:ea typeface="나눔고딕" panose="020D0604000000000000" pitchFamily="50" charset="-127"/>
+              </a:rPr>
               <a:t> </a:t>
             </a:r>
             <a:r>
-              <a:rPr sz="3000" dirty="0" err="1"/>
+              <a:rPr sz="3500" dirty="0" err="1">
+                <a:latin typeface="나눔고딕" panose="020D0604000000000000" pitchFamily="50" charset="-127"/>
+                <a:ea typeface="나눔고딕" panose="020D0604000000000000" pitchFamily="50" charset="-127"/>
+              </a:rPr>
               <a:t>등록</a:t>
             </a:r>
             <a:r>
-              <a:rPr sz="3000" dirty="0"/>
+              <a:rPr sz="3500" dirty="0">
+                <a:latin typeface="나눔고딕" panose="020D0604000000000000" pitchFamily="50" charset="-127"/>
+                <a:ea typeface="나눔고딕" panose="020D0604000000000000" pitchFamily="50" charset="-127"/>
+              </a:rPr>
               <a:t> </a:t>
             </a:r>
             <a:r>
-              <a:rPr sz="3000" dirty="0" err="1"/>
+              <a:rPr sz="3500" dirty="0" err="1">
+                <a:latin typeface="나눔고딕" panose="020D0604000000000000" pitchFamily="50" charset="-127"/>
+                <a:ea typeface="나눔고딕" panose="020D0604000000000000" pitchFamily="50" charset="-127"/>
+              </a:rPr>
               <a:t>추이</a:t>
             </a:r>
-            <a:endParaRPr sz="3000" dirty="0"/>
+            <a:endParaRPr sz="3500" dirty="0">
+              <a:latin typeface="나눔고딕" panose="020D0604000000000000" pitchFamily="50" charset="-127"/>
+              <a:ea typeface="나눔고딕" panose="020D0604000000000000" pitchFamily="50" charset="-127"/>
+            </a:endParaRPr>
           </a:p>
         </p:txBody>
       </p:sp>
@@ -3871,7 +3888,7 @@
         <p:spPr>
           <a:xfrm>
             <a:off x="2438400" y="4389120"/>
-            <a:ext cx="3107646" cy="738664"/>
+            <a:ext cx="3130985" cy="738664"/>
           </a:xfrm>
           <a:prstGeom prst="rect">
             <a:avLst/>
@@ -3884,7 +3901,10 @@
           </a:bodyPr>
           <a:lstStyle/>
           <a:p>
-            <a:endParaRPr dirty="0"/>
+            <a:endParaRPr dirty="0">
+              <a:latin typeface="나눔고딕" panose="020D0604000000000000" pitchFamily="50" charset="-127"/>
+              <a:ea typeface="나눔고딕" panose="020D0604000000000000" pitchFamily="50" charset="-127"/>
+            </a:endParaRPr>
           </a:p>
           <a:p>
             <a:pPr algn="l">
@@ -3895,7 +3915,10 @@
               </a:defRPr>
             </a:pPr>
             <a:r>
-              <a:rPr sz="2400" dirty="0"/>
+              <a:rPr sz="2400" b="1" dirty="0">
+                <a:latin typeface="나눔고딕" panose="020D0604000000000000" pitchFamily="50" charset="-127"/>
+                <a:ea typeface="나눔고딕" panose="020D0604000000000000" pitchFamily="50" charset="-127"/>
+              </a:rPr>
               <a:t>SK network 20기 5조</a:t>
             </a:r>
           </a:p>
@@ -3910,7 +3933,7 @@
         <p:spPr>
           <a:xfrm>
             <a:off x="2438400" y="5303520"/>
-            <a:ext cx="5017720" cy="677108"/>
+            <a:ext cx="4777270" cy="677108"/>
           </a:xfrm>
           <a:prstGeom prst="rect">
             <a:avLst/>
@@ -3923,7 +3946,10 @@
           </a:bodyPr>
           <a:lstStyle/>
           <a:p>
-            <a:endParaRPr dirty="0"/>
+            <a:endParaRPr dirty="0">
+              <a:latin typeface="나눔고딕" panose="020D0604000000000000" pitchFamily="50" charset="-127"/>
+              <a:ea typeface="나눔고딕" panose="020D0604000000000000" pitchFamily="50" charset="-127"/>
+            </a:endParaRPr>
           </a:p>
           <a:p>
             <a:pPr algn="l">
@@ -3934,43 +3960,73 @@
               </a:defRPr>
             </a:pPr>
             <a:r>
-              <a:rPr sz="2000" dirty="0" err="1"/>
+              <a:rPr sz="2000" b="1" dirty="0" err="1">
+                <a:latin typeface="나눔고딕" panose="020D0604000000000000" pitchFamily="50" charset="-127"/>
+                <a:ea typeface="나눔고딕" panose="020D0604000000000000" pitchFamily="50" charset="-127"/>
+              </a:rPr>
               <a:t>팀원</a:t>
             </a:r>
             <a:r>
-              <a:rPr sz="2000" dirty="0"/>
+              <a:rPr sz="2000" b="1" dirty="0">
+                <a:latin typeface="나눔고딕" panose="020D0604000000000000" pitchFamily="50" charset="-127"/>
+                <a:ea typeface="나눔고딕" panose="020D0604000000000000" pitchFamily="50" charset="-127"/>
+              </a:rPr>
               <a:t>: </a:t>
             </a:r>
             <a:r>
-              <a:rPr sz="2000" dirty="0" err="1"/>
+              <a:rPr sz="2000" b="1" dirty="0" err="1">
+                <a:latin typeface="나눔고딕" panose="020D0604000000000000" pitchFamily="50" charset="-127"/>
+                <a:ea typeface="나눔고딕" panose="020D0604000000000000" pitchFamily="50" charset="-127"/>
+              </a:rPr>
               <a:t>박찬</a:t>
             </a:r>
             <a:r>
-              <a:rPr sz="2000" dirty="0"/>
+              <a:rPr sz="2000" b="1" dirty="0">
+                <a:latin typeface="나눔고딕" panose="020D0604000000000000" pitchFamily="50" charset="-127"/>
+                <a:ea typeface="나눔고딕" panose="020D0604000000000000" pitchFamily="50" charset="-127"/>
+              </a:rPr>
               <a:t>, </a:t>
             </a:r>
             <a:r>
-              <a:rPr sz="2000" dirty="0" err="1"/>
+              <a:rPr sz="2000" b="1" dirty="0" err="1">
+                <a:latin typeface="나눔고딕" panose="020D0604000000000000" pitchFamily="50" charset="-127"/>
+                <a:ea typeface="나눔고딕" panose="020D0604000000000000" pitchFamily="50" charset="-127"/>
+              </a:rPr>
               <a:t>정례원</a:t>
             </a:r>
             <a:r>
-              <a:rPr sz="2000" dirty="0"/>
+              <a:rPr sz="2000" b="1" dirty="0">
+                <a:latin typeface="나눔고딕" panose="020D0604000000000000" pitchFamily="50" charset="-127"/>
+                <a:ea typeface="나눔고딕" panose="020D0604000000000000" pitchFamily="50" charset="-127"/>
+              </a:rPr>
               <a:t>, </a:t>
             </a:r>
             <a:r>
-              <a:rPr sz="2000" dirty="0" err="1"/>
+              <a:rPr sz="2000" b="1" dirty="0" err="1">
+                <a:latin typeface="나눔고딕" panose="020D0604000000000000" pitchFamily="50" charset="-127"/>
+                <a:ea typeface="나눔고딕" panose="020D0604000000000000" pitchFamily="50" charset="-127"/>
+              </a:rPr>
               <a:t>조준상</a:t>
             </a:r>
             <a:r>
-              <a:rPr sz="2000" dirty="0"/>
+              <a:rPr sz="2000" b="1" dirty="0">
+                <a:latin typeface="나눔고딕" panose="020D0604000000000000" pitchFamily="50" charset="-127"/>
+                <a:ea typeface="나눔고딕" panose="020D0604000000000000" pitchFamily="50" charset="-127"/>
+              </a:rPr>
               <a:t>, </a:t>
             </a:r>
             <a:r>
-              <a:rPr sz="2000" dirty="0" err="1"/>
+              <a:rPr sz="2000" b="1" dirty="0" err="1">
+                <a:latin typeface="나눔고딕" panose="020D0604000000000000" pitchFamily="50" charset="-127"/>
+                <a:ea typeface="나눔고딕" panose="020D0604000000000000" pitchFamily="50" charset="-127"/>
+              </a:rPr>
               <a:t>문창교</a:t>
             </a:r>
             <a:r>
-              <a:rPr sz="2000" dirty="0"/>
+              <a:rPr sz="2000" b="1" dirty="0">
+                <a:latin typeface="나눔고딕" panose="020D0604000000000000" pitchFamily="50" charset="-127"/>
+                <a:ea typeface="나눔고딕" panose="020D0604000000000000" pitchFamily="50" charset="-127"/>
+              </a:rPr>
               <a:t>, 이경현</a:t>
             </a:r>
           </a:p>
@@ -4028,7 +4084,10 @@
             <a:avLst/>
           </a:prstGeom>
           <a:solidFill>
-            <a:srgbClr val="E8F5E9"/>
+            <a:schemeClr val="accent3">
+              <a:lumMod val="20000"/>
+              <a:lumOff val="80000"/>
+            </a:schemeClr>
           </a:solidFill>
           <a:ln>
             <a:noFill/>
@@ -4141,10 +4200,16 @@
           <a:p>
             <a:pPr algn="ctr"/>
             <a:r>
-              <a:rPr lang="ko-KR" altLang="en-US" sz="4000" b="1" dirty="0"/>
+              <a:rPr lang="ko-KR" altLang="en-US" sz="4000" b="1" dirty="0">
+                <a:latin typeface="나눔고딕" panose="020D0604000000000000" pitchFamily="50" charset="-127"/>
+                <a:ea typeface="나눔고딕" panose="020D0604000000000000" pitchFamily="50" charset="-127"/>
+              </a:rPr>
               <a:t>결과물 시연</a:t>
             </a:r>
-            <a:endParaRPr sz="4000" b="1" dirty="0"/>
+            <a:endParaRPr sz="4000" b="1" dirty="0">
+              <a:latin typeface="나눔고딕" panose="020D0604000000000000" pitchFamily="50" charset="-127"/>
+              <a:ea typeface="나눔고딕" panose="020D0604000000000000" pitchFamily="50" charset="-127"/>
+            </a:endParaRPr>
           </a:p>
         </p:txBody>
       </p:sp>
@@ -4178,19 +4243,25 @@
           <a:p>
             <a:pPr algn="ctr"/>
             <a:r>
-              <a:rPr lang="ko-KR" altLang="en-US" sz="2800" b="1" dirty="0"/>
+              <a:rPr lang="ko-KR" altLang="en-US" sz="2800" b="1" dirty="0">
+                <a:latin typeface="나눔고딕" panose="020D0604000000000000" pitchFamily="50" charset="-127"/>
+                <a:ea typeface="나눔고딕" panose="020D0604000000000000" pitchFamily="50" charset="-127"/>
+              </a:rPr>
               <a:t>테이블 명세서</a:t>
             </a:r>
-            <a:endParaRPr sz="2800" b="1" dirty="0"/>
+            <a:endParaRPr sz="2800" b="1" dirty="0">
+              <a:latin typeface="나눔고딕" panose="020D0604000000000000" pitchFamily="50" charset="-127"/>
+              <a:ea typeface="나눔고딕" panose="020D0604000000000000" pitchFamily="50" charset="-127"/>
+            </a:endParaRPr>
           </a:p>
         </p:txBody>
       </p:sp>
       <p:pic>
         <p:nvPicPr>
-          <p:cNvPr id="5" name="그림 4" descr="텍스트, 스크린샷, 번호, 폰트이(가) 표시된 사진&#10;&#10;AI 생성 콘텐츠는 정확하지 않을 수 있습니다.">
-            <a:extLst>
-              <a:ext uri="{FF2B5EF4-FFF2-40B4-BE49-F238E27FC236}">
-                <a16:creationId xmlns:a16="http://schemas.microsoft.com/office/drawing/2014/main" id="{D9E5CC5C-13ED-4CF6-40B9-6D4A910F9734}"/>
+          <p:cNvPr id="8" name="그림 7" descr="텍스트, 번호, 스크린샷, 라인이(가) 표시된 사진&#10;&#10;AI 생성 콘텐츠는 정확하지 않을 수 있습니다.">
+            <a:extLst>
+              <a:ext uri="{FF2B5EF4-FFF2-40B4-BE49-F238E27FC236}">
+                <a16:creationId xmlns:a16="http://schemas.microsoft.com/office/drawing/2014/main" id="{40CF2E62-A541-3CEE-533E-7DE242FF57BD}"/>
               </a:ext>
             </a:extLst>
           </p:cNvPr>
@@ -4213,8 +4284,8 @@
         </p:blipFill>
         <p:spPr>
           <a:xfrm>
-            <a:off x="622998" y="1417288"/>
-            <a:ext cx="10917476" cy="2915598"/>
+            <a:off x="622998" y="4332886"/>
+            <a:ext cx="10917476" cy="2480228"/>
           </a:xfrm>
           <a:prstGeom prst="rect">
             <a:avLst/>
@@ -4223,10 +4294,10 @@
       </p:pic>
       <p:pic>
         <p:nvPicPr>
-          <p:cNvPr id="8" name="그림 7" descr="텍스트, 번호, 스크린샷, 라인이(가) 표시된 사진&#10;&#10;AI 생성 콘텐츠는 정확하지 않을 수 있습니다.">
-            <a:extLst>
-              <a:ext uri="{FF2B5EF4-FFF2-40B4-BE49-F238E27FC236}">
-                <a16:creationId xmlns:a16="http://schemas.microsoft.com/office/drawing/2014/main" id="{40CF2E62-A541-3CEE-533E-7DE242FF57BD}"/>
+          <p:cNvPr id="6" name="그림 5" descr="텍스트, 스크린샷, 번호, 폰트이(가) 표시된 사진&#10;&#10;AI 생성 콘텐츠는 정확하지 않을 수 있습니다.">
+            <a:extLst>
+              <a:ext uri="{FF2B5EF4-FFF2-40B4-BE49-F238E27FC236}">
+                <a16:creationId xmlns:a16="http://schemas.microsoft.com/office/drawing/2014/main" id="{9EDE4561-1CD5-433C-AF24-E49520678285}"/>
               </a:ext>
             </a:extLst>
           </p:cNvPr>
@@ -4249,8 +4320,8 @@
         </p:blipFill>
         <p:spPr>
           <a:xfrm>
-            <a:off x="622998" y="4332886"/>
-            <a:ext cx="10917476" cy="2480228"/>
+            <a:off x="622997" y="1249670"/>
+            <a:ext cx="10917475" cy="3083215"/>
           </a:xfrm>
           <a:prstGeom prst="rect">
             <a:avLst/>
@@ -4314,7 +4385,10 @@
             <a:avLst/>
           </a:prstGeom>
           <a:solidFill>
-            <a:srgbClr val="E8F5E9"/>
+            <a:schemeClr val="accent3">
+              <a:lumMod val="20000"/>
+              <a:lumOff val="80000"/>
+            </a:schemeClr>
           </a:solidFill>
           <a:ln>
             <a:noFill/>
@@ -4464,12 +4538,8 @@
           <a:p>
             <a:pPr algn="ctr"/>
             <a:r>
-              <a:rPr lang="en-US" sz="2000" b="1" dirty="0" err="1"/>
-              <a:t>Mysql</a:t>
-            </a:r>
-            <a:r>
               <a:rPr lang="en-US" sz="2000" b="1" dirty="0"/>
-              <a:t>(Data)</a:t>
+              <a:t>MYSQL(Data)</a:t>
             </a:r>
             <a:endParaRPr sz="2000" b="1" dirty="0"/>
           </a:p>
@@ -4738,7 +4808,10 @@
             <a:avLst/>
           </a:prstGeom>
           <a:solidFill>
-            <a:srgbClr val="E8F5E9"/>
+            <a:schemeClr val="accent3">
+              <a:lumMod val="20000"/>
+              <a:lumOff val="80000"/>
+            </a:schemeClr>
           </a:solidFill>
           <a:ln>
             <a:noFill/>
@@ -4851,10 +4924,16 @@
           <a:p>
             <a:pPr algn="ctr"/>
             <a:r>
-              <a:rPr lang="ko-KR" altLang="en-US" sz="4000" b="1" dirty="0"/>
+              <a:rPr lang="ko-KR" altLang="en-US" sz="4000" b="1" dirty="0">
+                <a:latin typeface="나눔고딕" panose="020D0604000000000000" pitchFamily="50" charset="-127"/>
+                <a:ea typeface="나눔고딕" panose="020D0604000000000000" pitchFamily="50" charset="-127"/>
+              </a:rPr>
               <a:t>결과물 시연</a:t>
             </a:r>
-            <a:endParaRPr sz="4000" b="1" dirty="0"/>
+            <a:endParaRPr sz="4000" b="1" dirty="0">
+              <a:latin typeface="나눔고딕" panose="020D0604000000000000" pitchFamily="50" charset="-127"/>
+              <a:ea typeface="나눔고딕" panose="020D0604000000000000" pitchFamily="50" charset="-127"/>
+            </a:endParaRPr>
           </a:p>
         </p:txBody>
       </p:sp>
@@ -4888,22 +4967,37 @@
           <a:p>
             <a:pPr algn="ctr"/>
             <a:r>
-              <a:rPr lang="en-US" sz="2000" b="1" dirty="0" err="1"/>
+              <a:rPr lang="en-US" sz="2000" b="1" dirty="0" err="1">
+                <a:latin typeface="나눔고딕" panose="020D0604000000000000" pitchFamily="50" charset="-127"/>
+                <a:ea typeface="나눔고딕" panose="020D0604000000000000" pitchFamily="50" charset="-127"/>
+              </a:rPr>
               <a:t>Streamlit</a:t>
             </a:r>
             <a:r>
-              <a:rPr lang="en-US" sz="2000" b="1" dirty="0"/>
+              <a:rPr lang="en-US" sz="2000" b="1" dirty="0">
+                <a:latin typeface="나눔고딕" panose="020D0604000000000000" pitchFamily="50" charset="-127"/>
+                <a:ea typeface="나눔고딕" panose="020D0604000000000000" pitchFamily="50" charset="-127"/>
+              </a:rPr>
               <a:t>(main, </a:t>
             </a:r>
             <a:r>
-              <a:rPr lang="ko-KR" altLang="en-US" sz="2000" b="1" dirty="0"/>
+              <a:rPr lang="ko-KR" altLang="en-US" sz="2000" b="1" dirty="0">
+                <a:latin typeface="나눔고딕" panose="020D0604000000000000" pitchFamily="50" charset="-127"/>
+                <a:ea typeface="나눔고딕" panose="020D0604000000000000" pitchFamily="50" charset="-127"/>
+              </a:rPr>
               <a:t>사이드</a:t>
             </a:r>
             <a:r>
-              <a:rPr lang="en-US" altLang="ko-KR" sz="2000" b="1" dirty="0"/>
+              <a:rPr lang="en-US" altLang="ko-KR" sz="2000" b="1" dirty="0">
+                <a:latin typeface="나눔고딕" panose="020D0604000000000000" pitchFamily="50" charset="-127"/>
+                <a:ea typeface="나눔고딕" panose="020D0604000000000000" pitchFamily="50" charset="-127"/>
+              </a:rPr>
               <a:t>)</a:t>
             </a:r>
-            <a:endParaRPr sz="2000" b="1" dirty="0"/>
+            <a:endParaRPr sz="2000" b="1" dirty="0">
+              <a:latin typeface="나눔고딕" panose="020D0604000000000000" pitchFamily="50" charset="-127"/>
+              <a:ea typeface="나눔고딕" panose="020D0604000000000000" pitchFamily="50" charset="-127"/>
+            </a:endParaRPr>
           </a:p>
         </p:txBody>
       </p:sp>
@@ -5024,7 +5118,10 @@
             <a:avLst/>
           </a:prstGeom>
           <a:solidFill>
-            <a:srgbClr val="E8F5E9"/>
+            <a:schemeClr val="accent3">
+              <a:lumMod val="20000"/>
+              <a:lumOff val="80000"/>
+            </a:schemeClr>
           </a:solidFill>
           <a:ln>
             <a:noFill/>
@@ -5137,10 +5234,16 @@
           <a:p>
             <a:pPr algn="ctr"/>
             <a:r>
-              <a:rPr lang="ko-KR" altLang="en-US" sz="4000" b="1" dirty="0"/>
+              <a:rPr lang="ko-KR" altLang="en-US" sz="4000" b="1" dirty="0">
+                <a:latin typeface="나눔고딕" panose="020D0604000000000000" pitchFamily="50" charset="-127"/>
+                <a:ea typeface="나눔고딕" panose="020D0604000000000000" pitchFamily="50" charset="-127"/>
+              </a:rPr>
               <a:t>결과물 시연</a:t>
             </a:r>
-            <a:endParaRPr sz="4000" b="1" dirty="0"/>
+            <a:endParaRPr sz="4000" b="1" dirty="0">
+              <a:latin typeface="나눔고딕" panose="020D0604000000000000" pitchFamily="50" charset="-127"/>
+              <a:ea typeface="나눔고딕" panose="020D0604000000000000" pitchFamily="50" charset="-127"/>
+            </a:endParaRPr>
           </a:p>
         </p:txBody>
       </p:sp>
@@ -5174,22 +5277,37 @@
           <a:p>
             <a:pPr algn="ctr"/>
             <a:r>
-              <a:rPr lang="en-US" sz="2000" b="1" dirty="0" err="1"/>
+              <a:rPr lang="en-US" sz="2000" b="1" dirty="0" err="1">
+                <a:latin typeface="나눔고딕" panose="020D0604000000000000" pitchFamily="50" charset="-127"/>
+                <a:ea typeface="나눔고딕" panose="020D0604000000000000" pitchFamily="50" charset="-127"/>
+              </a:rPr>
               <a:t>Streamlit</a:t>
             </a:r>
             <a:r>
-              <a:rPr lang="en-US" sz="2000" b="1" dirty="0"/>
+              <a:rPr lang="en-US" sz="2000" b="1" dirty="0">
+                <a:latin typeface="나눔고딕" panose="020D0604000000000000" pitchFamily="50" charset="-127"/>
+                <a:ea typeface="나눔고딕" panose="020D0604000000000000" pitchFamily="50" charset="-127"/>
+              </a:rPr>
               <a:t>(</a:t>
             </a:r>
             <a:r>
-              <a:rPr lang="ko-KR" altLang="en-US" sz="2000" b="1" dirty="0"/>
+              <a:rPr lang="ko-KR" altLang="en-US" sz="2000" b="1" dirty="0">
+                <a:latin typeface="나눔고딕" panose="020D0604000000000000" pitchFamily="50" charset="-127"/>
+                <a:ea typeface="나눔고딕" panose="020D0604000000000000" pitchFamily="50" charset="-127"/>
+              </a:rPr>
               <a:t>그래프사진</a:t>
             </a:r>
             <a:r>
-              <a:rPr lang="en-US" altLang="ko-KR" sz="2000" b="1" dirty="0"/>
+              <a:rPr lang="en-US" altLang="ko-KR" sz="2000" b="1" dirty="0">
+                <a:latin typeface="나눔고딕" panose="020D0604000000000000" pitchFamily="50" charset="-127"/>
+                <a:ea typeface="나눔고딕" panose="020D0604000000000000" pitchFamily="50" charset="-127"/>
+              </a:rPr>
               <a:t>)</a:t>
             </a:r>
-            <a:endParaRPr sz="2000" b="1" dirty="0"/>
+            <a:endParaRPr sz="2000" b="1" dirty="0">
+              <a:latin typeface="나눔고딕" panose="020D0604000000000000" pitchFamily="50" charset="-127"/>
+              <a:ea typeface="나눔고딕" panose="020D0604000000000000" pitchFamily="50" charset="-127"/>
+            </a:endParaRPr>
           </a:p>
         </p:txBody>
       </p:sp>
@@ -5310,7 +5428,10 @@
             <a:avLst/>
           </a:prstGeom>
           <a:solidFill>
-            <a:srgbClr val="E8F5E9"/>
+            <a:schemeClr val="accent3">
+              <a:lumMod val="20000"/>
+              <a:lumOff val="80000"/>
+            </a:schemeClr>
           </a:solidFill>
           <a:ln>
             <a:noFill/>
@@ -5423,10 +5544,16 @@
           <a:p>
             <a:pPr algn="ctr"/>
             <a:r>
-              <a:rPr lang="ko-KR" altLang="en-US" sz="4000" b="1" dirty="0"/>
+              <a:rPr lang="ko-KR" altLang="en-US" sz="4000" b="1" dirty="0">
+                <a:latin typeface="나눔고딕" panose="020D0604000000000000" pitchFamily="50" charset="-127"/>
+                <a:ea typeface="나눔고딕" panose="020D0604000000000000" pitchFamily="50" charset="-127"/>
+              </a:rPr>
               <a:t>결과물 시연</a:t>
             </a:r>
-            <a:endParaRPr sz="4000" b="1" dirty="0"/>
+            <a:endParaRPr sz="4000" b="1" dirty="0">
+              <a:latin typeface="나눔고딕" panose="020D0604000000000000" pitchFamily="50" charset="-127"/>
+              <a:ea typeface="나눔고딕" panose="020D0604000000000000" pitchFamily="50" charset="-127"/>
+            </a:endParaRPr>
           </a:p>
         </p:txBody>
       </p:sp>
@@ -5460,22 +5587,37 @@
           <a:p>
             <a:pPr algn="ctr"/>
             <a:r>
-              <a:rPr lang="en-US" sz="2000" b="1" dirty="0" err="1"/>
+              <a:rPr lang="en-US" sz="2000" b="1" dirty="0" err="1">
+                <a:latin typeface="나눔고딕" panose="020D0604000000000000" pitchFamily="50" charset="-127"/>
+                <a:ea typeface="나눔고딕" panose="020D0604000000000000" pitchFamily="50" charset="-127"/>
+              </a:rPr>
               <a:t>Streamlit</a:t>
             </a:r>
             <a:r>
-              <a:rPr lang="en-US" sz="2000" b="1" dirty="0"/>
+              <a:rPr lang="en-US" sz="2000" b="1" dirty="0">
+                <a:latin typeface="나눔고딕" panose="020D0604000000000000" pitchFamily="50" charset="-127"/>
+                <a:ea typeface="나눔고딕" panose="020D0604000000000000" pitchFamily="50" charset="-127"/>
+              </a:rPr>
               <a:t>(</a:t>
             </a:r>
             <a:r>
-              <a:rPr lang="ko-KR" altLang="en-US" sz="2000" b="1" dirty="0"/>
+              <a:rPr lang="ko-KR" altLang="en-US" sz="2000" b="1" dirty="0">
+                <a:latin typeface="나눔고딕" panose="020D0604000000000000" pitchFamily="50" charset="-127"/>
+                <a:ea typeface="나눔고딕" panose="020D0604000000000000" pitchFamily="50" charset="-127"/>
+              </a:rPr>
               <a:t>그래프사진</a:t>
             </a:r>
             <a:r>
-              <a:rPr lang="en-US" altLang="ko-KR" sz="2000" b="1" dirty="0"/>
+              <a:rPr lang="en-US" altLang="ko-KR" sz="2000" b="1" dirty="0">
+                <a:latin typeface="나눔고딕" panose="020D0604000000000000" pitchFamily="50" charset="-127"/>
+                <a:ea typeface="나눔고딕" panose="020D0604000000000000" pitchFamily="50" charset="-127"/>
+              </a:rPr>
               <a:t>)</a:t>
             </a:r>
-            <a:endParaRPr sz="2000" b="1" dirty="0"/>
+            <a:endParaRPr sz="2000" b="1" dirty="0">
+              <a:latin typeface="나눔고딕" panose="020D0604000000000000" pitchFamily="50" charset="-127"/>
+              <a:ea typeface="나눔고딕" panose="020D0604000000000000" pitchFamily="50" charset="-127"/>
+            </a:endParaRPr>
           </a:p>
         </p:txBody>
       </p:sp>
@@ -5596,7 +5738,10 @@
             <a:avLst/>
           </a:prstGeom>
           <a:solidFill>
-            <a:srgbClr val="E8F5E9"/>
+            <a:schemeClr val="accent3">
+              <a:lumMod val="20000"/>
+              <a:lumOff val="80000"/>
+            </a:schemeClr>
           </a:solidFill>
           <a:ln>
             <a:noFill/>
@@ -5709,10 +5854,16 @@
           <a:p>
             <a:pPr algn="ctr"/>
             <a:r>
-              <a:rPr lang="ko-KR" altLang="en-US" sz="4000" b="1" dirty="0"/>
+              <a:rPr lang="ko-KR" altLang="en-US" sz="4000" b="1" dirty="0">
+                <a:latin typeface="나눔고딕" panose="020D0604000000000000" pitchFamily="50" charset="-127"/>
+                <a:ea typeface="나눔고딕" panose="020D0604000000000000" pitchFamily="50" charset="-127"/>
+              </a:rPr>
               <a:t>결과물 시연</a:t>
             </a:r>
-            <a:endParaRPr sz="4000" b="1" dirty="0"/>
+            <a:endParaRPr sz="4000" b="1" dirty="0">
+              <a:latin typeface="나눔고딕" panose="020D0604000000000000" pitchFamily="50" charset="-127"/>
+              <a:ea typeface="나눔고딕" panose="020D0604000000000000" pitchFamily="50" charset="-127"/>
+            </a:endParaRPr>
           </a:p>
         </p:txBody>
       </p:sp>
@@ -5746,22 +5897,37 @@
           <a:p>
             <a:pPr algn="ctr"/>
             <a:r>
-              <a:rPr lang="en-US" sz="2000" b="1" dirty="0" err="1"/>
+              <a:rPr lang="en-US" sz="2000" b="1" dirty="0" err="1">
+                <a:latin typeface="나눔고딕" panose="020D0604000000000000" pitchFamily="50" charset="-127"/>
+                <a:ea typeface="나눔고딕" panose="020D0604000000000000" pitchFamily="50" charset="-127"/>
+              </a:rPr>
               <a:t>Streamlit</a:t>
             </a:r>
             <a:r>
-              <a:rPr lang="en-US" sz="2000" b="1" dirty="0"/>
+              <a:rPr lang="en-US" sz="2000" b="1" dirty="0">
+                <a:latin typeface="나눔고딕" panose="020D0604000000000000" pitchFamily="50" charset="-127"/>
+                <a:ea typeface="나눔고딕" panose="020D0604000000000000" pitchFamily="50" charset="-127"/>
+              </a:rPr>
               <a:t>(</a:t>
             </a:r>
             <a:r>
-              <a:rPr lang="ko-KR" altLang="en-US" sz="2000" b="1" dirty="0"/>
+              <a:rPr lang="ko-KR" altLang="en-US" sz="2000" b="1" dirty="0">
+                <a:latin typeface="나눔고딕" panose="020D0604000000000000" pitchFamily="50" charset="-127"/>
+                <a:ea typeface="나눔고딕" panose="020D0604000000000000" pitchFamily="50" charset="-127"/>
+              </a:rPr>
               <a:t>요약 및 기타</a:t>
             </a:r>
             <a:r>
-              <a:rPr lang="en-US" altLang="ko-KR" sz="2000" b="1" dirty="0"/>
+              <a:rPr lang="en-US" altLang="ko-KR" sz="2000" b="1" dirty="0">
+                <a:latin typeface="나눔고딕" panose="020D0604000000000000" pitchFamily="50" charset="-127"/>
+                <a:ea typeface="나눔고딕" panose="020D0604000000000000" pitchFamily="50" charset="-127"/>
+              </a:rPr>
               <a:t>)</a:t>
             </a:r>
-            <a:endParaRPr sz="2000" b="1" dirty="0"/>
+            <a:endParaRPr sz="2000" b="1" dirty="0">
+              <a:latin typeface="나눔고딕" panose="020D0604000000000000" pitchFamily="50" charset="-127"/>
+              <a:ea typeface="나눔고딕" panose="020D0604000000000000" pitchFamily="50" charset="-127"/>
+            </a:endParaRPr>
           </a:p>
         </p:txBody>
       </p:sp>
@@ -5882,7 +6048,10 @@
             <a:avLst/>
           </a:prstGeom>
           <a:solidFill>
-            <a:srgbClr val="E8F5E9"/>
+            <a:schemeClr val="accent3">
+              <a:lumMod val="20000"/>
+              <a:lumOff val="80000"/>
+            </a:schemeClr>
           </a:solidFill>
           <a:ln>
             <a:noFill/>
@@ -5995,10 +6164,16 @@
           <a:p>
             <a:pPr algn="ctr"/>
             <a:r>
-              <a:rPr lang="ko-KR" altLang="en-US" sz="4000" b="1" dirty="0"/>
+              <a:rPr lang="ko-KR" altLang="en-US" sz="4000" b="1" dirty="0">
+                <a:latin typeface="나눔고딕" panose="020D0604000000000000" pitchFamily="50" charset="-127"/>
+                <a:ea typeface="나눔고딕" panose="020D0604000000000000" pitchFamily="50" charset="-127"/>
+              </a:rPr>
               <a:t>결과물 시연</a:t>
             </a:r>
-            <a:endParaRPr sz="4000" b="1" dirty="0"/>
+            <a:endParaRPr sz="4000" b="1" dirty="0">
+              <a:latin typeface="나눔고딕" panose="020D0604000000000000" pitchFamily="50" charset="-127"/>
+              <a:ea typeface="나눔고딕" panose="020D0604000000000000" pitchFamily="50" charset="-127"/>
+            </a:endParaRPr>
           </a:p>
         </p:txBody>
       </p:sp>
@@ -6032,18 +6207,30 @@
           <a:p>
             <a:pPr algn="ctr"/>
             <a:r>
-              <a:rPr lang="en-US" sz="2000" b="1" dirty="0" err="1"/>
+              <a:rPr lang="en-US" sz="2000" b="1" dirty="0" err="1">
+                <a:latin typeface="나눔고딕" panose="020D0604000000000000" pitchFamily="50" charset="-127"/>
+                <a:ea typeface="나눔고딕" panose="020D0604000000000000" pitchFamily="50" charset="-127"/>
+              </a:rPr>
               <a:t>Streamlit</a:t>
             </a:r>
             <a:r>
-              <a:rPr lang="en-US" sz="2000" b="1" dirty="0"/>
+              <a:rPr lang="en-US" sz="2000" b="1" dirty="0">
+                <a:latin typeface="나눔고딕" panose="020D0604000000000000" pitchFamily="50" charset="-127"/>
+                <a:ea typeface="나눔고딕" panose="020D0604000000000000" pitchFamily="50" charset="-127"/>
+              </a:rPr>
               <a:t>(Q&amp;A</a:t>
             </a:r>
             <a:r>
-              <a:rPr lang="en-US" altLang="ko-KR" sz="2000" b="1" dirty="0"/>
+              <a:rPr lang="en-US" altLang="ko-KR" sz="2000" b="1" dirty="0">
+                <a:latin typeface="나눔고딕" panose="020D0604000000000000" pitchFamily="50" charset="-127"/>
+                <a:ea typeface="나눔고딕" panose="020D0604000000000000" pitchFamily="50" charset="-127"/>
+              </a:rPr>
               <a:t>)</a:t>
             </a:r>
-            <a:endParaRPr sz="2000" b="1" dirty="0"/>
+            <a:endParaRPr sz="2000" b="1" dirty="0">
+              <a:latin typeface="나눔고딕" panose="020D0604000000000000" pitchFamily="50" charset="-127"/>
+              <a:ea typeface="나눔고딕" panose="020D0604000000000000" pitchFamily="50" charset="-127"/>
+            </a:endParaRPr>
           </a:p>
         </p:txBody>
       </p:sp>
@@ -6140,7 +6327,10 @@
             <a:avLst/>
           </a:prstGeom>
           <a:solidFill>
-            <a:srgbClr val="E8F5E9"/>
+            <a:schemeClr val="accent3">
+              <a:lumMod val="20000"/>
+              <a:lumOff val="80000"/>
+            </a:schemeClr>
           </a:solidFill>
           <a:ln>
             <a:noFill/>
@@ -6183,8 +6373,8 @@
         </p:nvSpPr>
         <p:spPr>
           <a:xfrm>
-            <a:off x="0" y="3356953"/>
-            <a:ext cx="12191999" cy="3501047"/>
+            <a:off x="0" y="3296897"/>
+            <a:ext cx="12191999" cy="3561103"/>
           </a:xfrm>
           <a:prstGeom prst="rect">
             <a:avLst/>
@@ -6253,10 +6443,16 @@
           <a:p>
             <a:pPr algn="ctr"/>
             <a:r>
-              <a:rPr lang="ko-KR" altLang="en-US" sz="3500" b="1" dirty="0"/>
+              <a:rPr lang="ko-KR" altLang="en-US" sz="3500" b="1" dirty="0">
+                <a:latin typeface="나눔고딕" panose="020D0604000000000000" pitchFamily="50" charset="-127"/>
+                <a:ea typeface="나눔고딕" panose="020D0604000000000000" pitchFamily="50" charset="-127"/>
+              </a:rPr>
               <a:t>프로젝트 한 줄 회고</a:t>
             </a:r>
-            <a:endParaRPr sz="3500" b="1" dirty="0"/>
+            <a:endParaRPr sz="3500" b="1" dirty="0">
+              <a:latin typeface="나눔고딕" panose="020D0604000000000000" pitchFamily="50" charset="-127"/>
+              <a:ea typeface="나눔고딕" panose="020D0604000000000000" pitchFamily="50" charset="-127"/>
+            </a:endParaRPr>
           </a:p>
         </p:txBody>
       </p:sp>
@@ -6290,14 +6486,23 @@
           <a:p>
             <a:pPr algn="ctr"/>
             <a:r>
-              <a:rPr lang="en-US" altLang="ko-KR" sz="2500" b="1" dirty="0"/>
+              <a:rPr lang="en-US" altLang="ko-KR" sz="2500" b="1" dirty="0">
+                <a:latin typeface="나눔고딕" panose="020D0604000000000000" pitchFamily="50" charset="-127"/>
+                <a:ea typeface="나눔고딕" panose="020D0604000000000000" pitchFamily="50" charset="-127"/>
+              </a:rPr>
               <a:t>- </a:t>
             </a:r>
             <a:r>
-              <a:rPr lang="ko-KR" altLang="en-US" sz="2500" b="1" dirty="0"/>
+              <a:rPr lang="ko-KR" altLang="en-US" sz="2500" b="1" dirty="0">
+                <a:latin typeface="나눔고딕" panose="020D0604000000000000" pitchFamily="50" charset="-127"/>
+                <a:ea typeface="나눔고딕" panose="020D0604000000000000" pitchFamily="50" charset="-127"/>
+              </a:rPr>
               <a:t>박   찬</a:t>
             </a:r>
-            <a:endParaRPr sz="2500" b="1" dirty="0"/>
+            <a:endParaRPr sz="2500" b="1" dirty="0">
+              <a:latin typeface="나눔고딕" panose="020D0604000000000000" pitchFamily="50" charset="-127"/>
+              <a:ea typeface="나눔고딕" panose="020D0604000000000000" pitchFamily="50" charset="-127"/>
+            </a:endParaRPr>
           </a:p>
         </p:txBody>
       </p:sp>
@@ -6331,14 +6536,23 @@
           <a:p>
             <a:pPr algn="ctr"/>
             <a:r>
-              <a:rPr lang="en-US" altLang="ko-KR" sz="2500" b="1" dirty="0"/>
+              <a:rPr lang="en-US" altLang="ko-KR" sz="2500" b="1" dirty="0">
+                <a:latin typeface="나눔고딕" panose="020D0604000000000000" pitchFamily="50" charset="-127"/>
+                <a:ea typeface="나눔고딕" panose="020D0604000000000000" pitchFamily="50" charset="-127"/>
+              </a:rPr>
               <a:t>- </a:t>
             </a:r>
             <a:r>
-              <a:rPr lang="ko-KR" altLang="en-US" sz="2500" b="1" dirty="0"/>
+              <a:rPr lang="ko-KR" altLang="en-US" sz="2500" b="1" dirty="0">
+                <a:latin typeface="나눔고딕" panose="020D0604000000000000" pitchFamily="50" charset="-127"/>
+                <a:ea typeface="나눔고딕" panose="020D0604000000000000" pitchFamily="50" charset="-127"/>
+              </a:rPr>
               <a:t>조문상</a:t>
             </a:r>
-            <a:endParaRPr sz="2500" b="1" dirty="0"/>
+            <a:endParaRPr sz="2500" b="1" dirty="0">
+              <a:latin typeface="나눔고딕" panose="020D0604000000000000" pitchFamily="50" charset="-127"/>
+              <a:ea typeface="나눔고딕" panose="020D0604000000000000" pitchFamily="50" charset="-127"/>
+            </a:endParaRPr>
           </a:p>
         </p:txBody>
       </p:sp>
@@ -6372,14 +6586,23 @@
           <a:p>
             <a:pPr algn="ctr"/>
             <a:r>
-              <a:rPr lang="en-US" altLang="ko-KR" sz="2500" b="1" dirty="0"/>
+              <a:rPr lang="en-US" altLang="ko-KR" sz="2500" b="1" dirty="0">
+                <a:latin typeface="나눔고딕" panose="020D0604000000000000" pitchFamily="50" charset="-127"/>
+                <a:ea typeface="나눔고딕" panose="020D0604000000000000" pitchFamily="50" charset="-127"/>
+              </a:rPr>
               <a:t>- </a:t>
             </a:r>
             <a:r>
-              <a:rPr lang="ko-KR" altLang="en-US" sz="2500" b="1" dirty="0" err="1"/>
+              <a:rPr lang="ko-KR" altLang="en-US" sz="2500" b="1" dirty="0" err="1">
+                <a:latin typeface="나눔고딕" panose="020D0604000000000000" pitchFamily="50" charset="-127"/>
+                <a:ea typeface="나눔고딕" panose="020D0604000000000000" pitchFamily="50" charset="-127"/>
+              </a:rPr>
               <a:t>문창교</a:t>
             </a:r>
-            <a:endParaRPr sz="2500" b="1" dirty="0"/>
+            <a:endParaRPr sz="2500" b="1" dirty="0">
+              <a:latin typeface="나눔고딕" panose="020D0604000000000000" pitchFamily="50" charset="-127"/>
+              <a:ea typeface="나눔고딕" panose="020D0604000000000000" pitchFamily="50" charset="-127"/>
+            </a:endParaRPr>
           </a:p>
         </p:txBody>
       </p:sp>
@@ -6413,14 +6636,23 @@
           <a:p>
             <a:pPr algn="ctr"/>
             <a:r>
-              <a:rPr lang="en-US" altLang="ko-KR" sz="2500" b="1" dirty="0"/>
+              <a:rPr lang="en-US" altLang="ko-KR" sz="2500" b="1" dirty="0">
+                <a:latin typeface="나눔고딕" panose="020D0604000000000000" pitchFamily="50" charset="-127"/>
+                <a:ea typeface="나눔고딕" panose="020D0604000000000000" pitchFamily="50" charset="-127"/>
+              </a:rPr>
               <a:t>- </a:t>
             </a:r>
             <a:r>
-              <a:rPr lang="ko-KR" altLang="en-US" sz="2500" b="1" dirty="0"/>
+              <a:rPr lang="ko-KR" altLang="en-US" sz="2500" b="1" dirty="0">
+                <a:latin typeface="나눔고딕" panose="020D0604000000000000" pitchFamily="50" charset="-127"/>
+                <a:ea typeface="나눔고딕" panose="020D0604000000000000" pitchFamily="50" charset="-127"/>
+              </a:rPr>
               <a:t>이경현</a:t>
             </a:r>
-            <a:endParaRPr sz="2500" b="1" dirty="0"/>
+            <a:endParaRPr sz="2500" b="1" dirty="0">
+              <a:latin typeface="나눔고딕" panose="020D0604000000000000" pitchFamily="50" charset="-127"/>
+              <a:ea typeface="나눔고딕" panose="020D0604000000000000" pitchFamily="50" charset="-127"/>
+            </a:endParaRPr>
           </a:p>
         </p:txBody>
       </p:sp>
@@ -6454,14 +6686,23 @@
           <a:p>
             <a:pPr algn="ctr"/>
             <a:r>
-              <a:rPr lang="en-US" altLang="ko-KR" sz="2500" b="1" dirty="0"/>
+              <a:rPr lang="en-US" altLang="ko-KR" sz="2500" b="1" dirty="0">
+                <a:latin typeface="나눔고딕" panose="020D0604000000000000" pitchFamily="50" charset="-127"/>
+                <a:ea typeface="나눔고딕" panose="020D0604000000000000" pitchFamily="50" charset="-127"/>
+              </a:rPr>
               <a:t>- </a:t>
             </a:r>
             <a:r>
-              <a:rPr lang="ko-KR" altLang="en-US" sz="2500" b="1" dirty="0" err="1"/>
+              <a:rPr lang="ko-KR" altLang="en-US" sz="2500" b="1" dirty="0" err="1">
+                <a:latin typeface="나눔고딕" panose="020D0604000000000000" pitchFamily="50" charset="-127"/>
+                <a:ea typeface="나눔고딕" panose="020D0604000000000000" pitchFamily="50" charset="-127"/>
+              </a:rPr>
               <a:t>정래원</a:t>
             </a:r>
-            <a:endParaRPr sz="2500" b="1" dirty="0"/>
+            <a:endParaRPr sz="2500" b="1" dirty="0">
+              <a:latin typeface="나눔고딕" panose="020D0604000000000000" pitchFamily="50" charset="-127"/>
+              <a:ea typeface="나눔고딕" panose="020D0604000000000000" pitchFamily="50" charset="-127"/>
+            </a:endParaRPr>
           </a:p>
         </p:txBody>
       </p:sp>
@@ -6494,27 +6735,45 @@
           <a:lstStyle/>
           <a:p>
             <a:r>
-              <a:rPr lang="ko-KR" altLang="en-US" sz="1500" b="1" dirty="0"/>
+              <a:rPr lang="ko-KR" altLang="en-US" sz="1500" b="1" dirty="0">
+                <a:latin typeface="나눔고딕" panose="020D0604000000000000" pitchFamily="50" charset="-127"/>
+                <a:ea typeface="나눔고딕" panose="020D0604000000000000" pitchFamily="50" charset="-127"/>
+              </a:rPr>
               <a:t>첫 프로젝트를 하면서 많은 한계를 느끼고 더 많은 공부가 필요하다는 걸 느꼈습니다</a:t>
             </a:r>
             <a:r>
-              <a:rPr lang="en-US" altLang="ko-KR" sz="1500" b="1" dirty="0"/>
+              <a:rPr lang="en-US" altLang="ko-KR" sz="1500" b="1" dirty="0">
+                <a:latin typeface="나눔고딕" panose="020D0604000000000000" pitchFamily="50" charset="-127"/>
+                <a:ea typeface="나눔고딕" panose="020D0604000000000000" pitchFamily="50" charset="-127"/>
+              </a:rPr>
               <a:t>. </a:t>
             </a:r>
             <a:r>
-              <a:rPr lang="ko-KR" altLang="en-US" sz="1500" b="1" dirty="0"/>
+              <a:rPr lang="ko-KR" altLang="en-US" sz="1500" b="1" dirty="0">
+                <a:latin typeface="나눔고딕" panose="020D0604000000000000" pitchFamily="50" charset="-127"/>
+                <a:ea typeface="나눔고딕" panose="020D0604000000000000" pitchFamily="50" charset="-127"/>
+              </a:rPr>
               <a:t>그리고 많은 배려해 주신 팀원들에게 감사합니다</a:t>
             </a:r>
             <a:r>
-              <a:rPr lang="en-US" altLang="ko-KR" sz="1500" b="1" dirty="0"/>
+              <a:rPr lang="en-US" altLang="ko-KR" sz="1500" b="1" dirty="0">
+                <a:latin typeface="나눔고딕" panose="020D0604000000000000" pitchFamily="50" charset="-127"/>
+                <a:ea typeface="나눔고딕" panose="020D0604000000000000" pitchFamily="50" charset="-127"/>
+              </a:rPr>
               <a:t>.</a:t>
             </a:r>
             <a:r>
-              <a:rPr lang="ko-KR" altLang="en-US" sz="1500" b="1" dirty="0"/>
+              <a:rPr lang="ko-KR" altLang="en-US" sz="1500" b="1" dirty="0">
+                <a:latin typeface="나눔고딕" panose="020D0604000000000000" pitchFamily="50" charset="-127"/>
+                <a:ea typeface="나눔고딕" panose="020D0604000000000000" pitchFamily="50" charset="-127"/>
+              </a:rPr>
               <a:t>팀원들 도움으로 프로젝트를 마무리 할 수 있었습니다</a:t>
             </a:r>
             <a:r>
-              <a:rPr lang="en-US" altLang="ko-KR" sz="1500" b="1" dirty="0"/>
+              <a:rPr lang="en-US" altLang="ko-KR" sz="1500" b="1" dirty="0">
+                <a:latin typeface="나눔고딕" panose="020D0604000000000000" pitchFamily="50" charset="-127"/>
+                <a:ea typeface="나눔고딕" panose="020D0604000000000000" pitchFamily="50" charset="-127"/>
+              </a:rPr>
               <a:t>. </a:t>
             </a:r>
           </a:p>
@@ -6535,7 +6794,7 @@
         <p:spPr>
           <a:xfrm>
             <a:off x="2650448" y="4497388"/>
-            <a:ext cx="8945350" cy="1246495"/>
+            <a:ext cx="8945350" cy="1015663"/>
           </a:xfrm>
           <a:prstGeom prst="rect">
             <a:avLst/>
@@ -6549,63 +6808,108 @@
           <a:lstStyle/>
           <a:p>
             <a:r>
-              <a:rPr lang="ko-KR" altLang="en-US" sz="1500" b="1" dirty="0"/>
+              <a:rPr lang="ko-KR" altLang="en-US" sz="1500" b="1" dirty="0">
+                <a:latin typeface="나눔고딕" panose="020D0604000000000000" pitchFamily="50" charset="-127"/>
+                <a:ea typeface="나눔고딕" panose="020D0604000000000000" pitchFamily="50" charset="-127"/>
+              </a:rPr>
               <a:t>수업에서 배운 파이썬</a:t>
             </a:r>
             <a:r>
-              <a:rPr lang="en-US" altLang="ko-KR" sz="1500" b="1" dirty="0"/>
+              <a:rPr lang="en-US" altLang="ko-KR" sz="1500" b="1" dirty="0">
+                <a:latin typeface="나눔고딕" panose="020D0604000000000000" pitchFamily="50" charset="-127"/>
+                <a:ea typeface="나눔고딕" panose="020D0604000000000000" pitchFamily="50" charset="-127"/>
+              </a:rPr>
               <a:t>, DB, </a:t>
             </a:r>
             <a:r>
-              <a:rPr lang="ko-KR" altLang="en-US" sz="1500" b="1" dirty="0" err="1"/>
+              <a:rPr lang="ko-KR" altLang="en-US" sz="1500" b="1" dirty="0" err="1">
+                <a:latin typeface="나눔고딕" panose="020D0604000000000000" pitchFamily="50" charset="-127"/>
+                <a:ea typeface="나눔고딕" panose="020D0604000000000000" pitchFamily="50" charset="-127"/>
+              </a:rPr>
               <a:t>크롤링을</a:t>
             </a:r>
             <a:r>
-              <a:rPr lang="ko-KR" altLang="en-US" sz="1500" b="1" dirty="0"/>
+              <a:rPr lang="ko-KR" altLang="en-US" sz="1500" b="1" dirty="0">
+                <a:latin typeface="나눔고딕" panose="020D0604000000000000" pitchFamily="50" charset="-127"/>
+                <a:ea typeface="나눔고딕" panose="020D0604000000000000" pitchFamily="50" charset="-127"/>
+              </a:rPr>
               <a:t> 전부 사용해 볼 수 있는 프로젝트여서 배운 내용들이 얼마나 </a:t>
             </a:r>
             <a:r>
-              <a:rPr lang="ko-KR" altLang="en-US" sz="1500" b="1" dirty="0" err="1"/>
+              <a:rPr lang="ko-KR" altLang="en-US" sz="1500" b="1" dirty="0" err="1">
+                <a:latin typeface="나눔고딕" panose="020D0604000000000000" pitchFamily="50" charset="-127"/>
+                <a:ea typeface="나눔고딕" panose="020D0604000000000000" pitchFamily="50" charset="-127"/>
+              </a:rPr>
               <a:t>체화되어</a:t>
             </a:r>
             <a:r>
-              <a:rPr lang="ko-KR" altLang="en-US" sz="1500" b="1" dirty="0"/>
+              <a:rPr lang="ko-KR" altLang="en-US" sz="1500" b="1" dirty="0">
+                <a:latin typeface="나눔고딕" panose="020D0604000000000000" pitchFamily="50" charset="-127"/>
+                <a:ea typeface="나눔고딕" panose="020D0604000000000000" pitchFamily="50" charset="-127"/>
+              </a:rPr>
               <a:t> 있는지 알 수 있는 기회가 된 것 같습니다</a:t>
             </a:r>
             <a:r>
-              <a:rPr lang="en-US" altLang="ko-KR" sz="1500" b="1" dirty="0"/>
+              <a:rPr lang="en-US" altLang="ko-KR" sz="1500" b="1" dirty="0">
+                <a:latin typeface="나눔고딕" panose="020D0604000000000000" pitchFamily="50" charset="-127"/>
+                <a:ea typeface="나눔고딕" panose="020D0604000000000000" pitchFamily="50" charset="-127"/>
+              </a:rPr>
               <a:t>. </a:t>
             </a:r>
             <a:r>
-              <a:rPr lang="ko-KR" altLang="en-US" sz="1500" b="1" dirty="0"/>
+              <a:rPr lang="ko-KR" altLang="en-US" sz="1500" b="1" dirty="0">
+                <a:latin typeface="나눔고딕" panose="020D0604000000000000" pitchFamily="50" charset="-127"/>
+                <a:ea typeface="나눔고딕" panose="020D0604000000000000" pitchFamily="50" charset="-127"/>
+              </a:rPr>
               <a:t>머리로는 이해하고 적용할 수 있다고 생각했지만 실제 프로젝트에서는 생각보다 막히는 부분이 꽤 많아 당황스러웠습니다</a:t>
             </a:r>
             <a:r>
-              <a:rPr lang="en-US" altLang="ko-KR" sz="1500" b="1" dirty="0"/>
+              <a:rPr lang="en-US" altLang="ko-KR" sz="1500" b="1" dirty="0">
+                <a:latin typeface="나눔고딕" panose="020D0604000000000000" pitchFamily="50" charset="-127"/>
+                <a:ea typeface="나눔고딕" panose="020D0604000000000000" pitchFamily="50" charset="-127"/>
+              </a:rPr>
               <a:t>. </a:t>
             </a:r>
             <a:r>
-              <a:rPr lang="ko-KR" altLang="en-US" sz="1500" b="1" dirty="0"/>
+              <a:rPr lang="ko-KR" altLang="en-US" sz="1500" b="1" dirty="0">
+                <a:latin typeface="나눔고딕" panose="020D0604000000000000" pitchFamily="50" charset="-127"/>
+                <a:ea typeface="나눔고딕" panose="020D0604000000000000" pitchFamily="50" charset="-127"/>
+              </a:rPr>
               <a:t>그래도 팀원들이 서로 모르거나 헷갈리는 부분을 알려주면서 차근차근 해결해 나간 것 같아서 뿌듯했습니다</a:t>
             </a:r>
             <a:r>
-              <a:rPr lang="en-US" altLang="ko-KR" sz="1500" b="1" dirty="0"/>
+              <a:rPr lang="en-US" altLang="ko-KR" sz="1500" b="1" dirty="0">
+                <a:latin typeface="나눔고딕" panose="020D0604000000000000" pitchFamily="50" charset="-127"/>
+                <a:ea typeface="나눔고딕" panose="020D0604000000000000" pitchFamily="50" charset="-127"/>
+              </a:rPr>
               <a:t>. </a:t>
             </a:r>
             <a:r>
-              <a:rPr lang="ko-KR" altLang="en-US" sz="1500" b="1" dirty="0"/>
+              <a:rPr lang="ko-KR" altLang="en-US" sz="1500" b="1" dirty="0">
+                <a:latin typeface="나눔고딕" panose="020D0604000000000000" pitchFamily="50" charset="-127"/>
+                <a:ea typeface="나눔고딕" panose="020D0604000000000000" pitchFamily="50" charset="-127"/>
+              </a:rPr>
               <a:t>정말 고생 많으셨습니다</a:t>
             </a:r>
             <a:r>
-              <a:rPr lang="en-US" altLang="ko-KR" sz="1500" b="1" dirty="0"/>
+              <a:rPr lang="en-US" altLang="ko-KR" sz="1500" b="1" dirty="0">
+                <a:latin typeface="나눔고딕" panose="020D0604000000000000" pitchFamily="50" charset="-127"/>
+                <a:ea typeface="나눔고딕" panose="020D0604000000000000" pitchFamily="50" charset="-127"/>
+              </a:rPr>
               <a:t>. </a:t>
             </a:r>
             <a:r>
-              <a:rPr lang="ko-KR" altLang="en-US" sz="1500" b="1" dirty="0"/>
+              <a:rPr lang="ko-KR" altLang="en-US" sz="1500" b="1" dirty="0">
+                <a:latin typeface="나눔고딕" panose="020D0604000000000000" pitchFamily="50" charset="-127"/>
+                <a:ea typeface="나눔고딕" panose="020D0604000000000000" pitchFamily="50" charset="-127"/>
+              </a:rPr>
               <a:t>감사합니다</a:t>
             </a:r>
             <a:r>
-              <a:rPr lang="en-US" altLang="ko-KR" sz="1500" b="1" dirty="0"/>
+              <a:rPr lang="en-US" altLang="ko-KR" sz="1500" b="1" dirty="0">
+                <a:latin typeface="나눔고딕" panose="020D0604000000000000" pitchFamily="50" charset="-127"/>
+                <a:ea typeface="나눔고딕" panose="020D0604000000000000" pitchFamily="50" charset="-127"/>
+              </a:rPr>
               <a:t>.</a:t>
             </a:r>
           </a:p>
@@ -6626,7 +6930,7 @@
         <p:spPr>
           <a:xfrm>
             <a:off x="2670544" y="3388242"/>
-            <a:ext cx="8945350" cy="1246495"/>
+            <a:ext cx="8945350" cy="1015663"/>
           </a:xfrm>
           <a:prstGeom prst="rect">
             <a:avLst/>
@@ -6640,68 +6944,113 @@
           <a:lstStyle/>
           <a:p>
             <a:r>
-              <a:rPr lang="ko-KR" altLang="en-US" sz="1500" b="1" dirty="0"/>
+              <a:rPr lang="ko-KR" altLang="en-US" sz="1500" b="1" dirty="0">
+                <a:latin typeface="나눔고딕" panose="020D0604000000000000" pitchFamily="50" charset="-127"/>
+                <a:ea typeface="나눔고딕" panose="020D0604000000000000" pitchFamily="50" charset="-127"/>
+              </a:rPr>
               <a:t>할 줄 </a:t>
             </a:r>
             <a:r>
-              <a:rPr lang="ko-KR" altLang="en-US" sz="1500" b="1" dirty="0" err="1"/>
+              <a:rPr lang="ko-KR" altLang="en-US" sz="1500" b="1" dirty="0" err="1">
+                <a:latin typeface="나눔고딕" panose="020D0604000000000000" pitchFamily="50" charset="-127"/>
+                <a:ea typeface="나눔고딕" panose="020D0604000000000000" pitchFamily="50" charset="-127"/>
+              </a:rPr>
               <a:t>아는가와</a:t>
             </a:r>
             <a:r>
-              <a:rPr lang="ko-KR" altLang="en-US" sz="1500" b="1" dirty="0"/>
+              <a:rPr lang="ko-KR" altLang="en-US" sz="1500" b="1" dirty="0">
+                <a:latin typeface="나눔고딕" panose="020D0604000000000000" pitchFamily="50" charset="-127"/>
+                <a:ea typeface="나눔고딕" panose="020D0604000000000000" pitchFamily="50" charset="-127"/>
+              </a:rPr>
               <a:t> 할 수 </a:t>
             </a:r>
             <a:r>
-              <a:rPr lang="ko-KR" altLang="en-US" sz="1500" b="1" dirty="0" err="1"/>
+              <a:rPr lang="ko-KR" altLang="en-US" sz="1500" b="1" dirty="0" err="1">
+                <a:latin typeface="나눔고딕" panose="020D0604000000000000" pitchFamily="50" charset="-127"/>
+                <a:ea typeface="나눔고딕" panose="020D0604000000000000" pitchFamily="50" charset="-127"/>
+              </a:rPr>
               <a:t>있는가의</a:t>
             </a:r>
             <a:r>
-              <a:rPr lang="ko-KR" altLang="en-US" sz="1500" b="1" dirty="0"/>
+              <a:rPr lang="ko-KR" altLang="en-US" sz="1500" b="1" dirty="0">
+                <a:latin typeface="나눔고딕" panose="020D0604000000000000" pitchFamily="50" charset="-127"/>
+                <a:ea typeface="나눔고딕" panose="020D0604000000000000" pitchFamily="50" charset="-127"/>
+              </a:rPr>
               <a:t> 차이가 너무 컸습니다</a:t>
             </a:r>
             <a:r>
-              <a:rPr lang="en-US" altLang="ko-KR" sz="1500" b="1" dirty="0"/>
+              <a:rPr lang="en-US" altLang="ko-KR" sz="1500" b="1" dirty="0">
+                <a:latin typeface="나눔고딕" panose="020D0604000000000000" pitchFamily="50" charset="-127"/>
+                <a:ea typeface="나눔고딕" panose="020D0604000000000000" pitchFamily="50" charset="-127"/>
+              </a:rPr>
               <a:t>.</a:t>
             </a:r>
           </a:p>
           <a:p>
             <a:r>
-              <a:rPr lang="ko-KR" altLang="en-US" sz="1500" b="1" dirty="0"/>
+              <a:rPr lang="ko-KR" altLang="en-US" sz="1500" b="1" spc="-150" dirty="0">
+                <a:latin typeface="나눔고딕" panose="020D0604000000000000" pitchFamily="50" charset="-127"/>
+                <a:ea typeface="나눔고딕" panose="020D0604000000000000" pitchFamily="50" charset="-127"/>
+              </a:rPr>
               <a:t>부족한 점이 많았으나</a:t>
             </a:r>
             <a:r>
-              <a:rPr lang="en-US" altLang="ko-KR" sz="1500" b="1" dirty="0"/>
+              <a:rPr lang="en-US" altLang="ko-KR" sz="1500" b="1" spc="-150" dirty="0">
+                <a:latin typeface="나눔고딕" panose="020D0604000000000000" pitchFamily="50" charset="-127"/>
+                <a:ea typeface="나눔고딕" panose="020D0604000000000000" pitchFamily="50" charset="-127"/>
+              </a:rPr>
               <a:t>, </a:t>
             </a:r>
             <a:r>
-              <a:rPr lang="ko-KR" altLang="en-US" sz="1500" b="1" dirty="0"/>
+              <a:rPr lang="ko-KR" altLang="en-US" sz="1500" b="1" spc="-150" dirty="0">
+                <a:latin typeface="나눔고딕" panose="020D0604000000000000" pitchFamily="50" charset="-127"/>
+                <a:ea typeface="나눔고딕" panose="020D0604000000000000" pitchFamily="50" charset="-127"/>
+              </a:rPr>
               <a:t>다른 팀원들이 도와줘서 문제를 해결할 수 있었고</a:t>
             </a:r>
             <a:r>
-              <a:rPr lang="en-US" altLang="ko-KR" sz="1500" b="1" dirty="0"/>
+              <a:rPr lang="en-US" altLang="ko-KR" sz="1500" b="1" spc="-150" dirty="0">
+                <a:latin typeface="나눔고딕" panose="020D0604000000000000" pitchFamily="50" charset="-127"/>
+                <a:ea typeface="나눔고딕" panose="020D0604000000000000" pitchFamily="50" charset="-127"/>
+              </a:rPr>
               <a:t>, </a:t>
             </a:r>
             <a:r>
-              <a:rPr lang="ko-KR" altLang="en-US" sz="1500" b="1" dirty="0"/>
+              <a:rPr lang="ko-KR" altLang="en-US" sz="1500" b="1" spc="-150" dirty="0">
+                <a:latin typeface="나눔고딕" panose="020D0604000000000000" pitchFamily="50" charset="-127"/>
+                <a:ea typeface="나눔고딕" panose="020D0604000000000000" pitchFamily="50" charset="-127"/>
+              </a:rPr>
               <a:t>많은 것을 배우는 자리가 되었습니다</a:t>
             </a:r>
             <a:r>
-              <a:rPr lang="en-US" altLang="ko-KR" sz="1500" b="1" dirty="0"/>
+              <a:rPr lang="en-US" altLang="ko-KR" sz="1500" b="1" spc="-150" dirty="0">
+                <a:latin typeface="나눔고딕" panose="020D0604000000000000" pitchFamily="50" charset="-127"/>
+                <a:ea typeface="나눔고딕" panose="020D0604000000000000" pitchFamily="50" charset="-127"/>
+              </a:rPr>
               <a:t>.</a:t>
             </a:r>
           </a:p>
           <a:p>
             <a:r>
-              <a:rPr lang="ko-KR" altLang="en-US" sz="1500" b="1" dirty="0"/>
+              <a:rPr lang="ko-KR" altLang="en-US" sz="1500" b="1" dirty="0">
+                <a:latin typeface="나눔고딕" panose="020D0604000000000000" pitchFamily="50" charset="-127"/>
+                <a:ea typeface="나눔고딕" panose="020D0604000000000000" pitchFamily="50" charset="-127"/>
+              </a:rPr>
               <a:t>특히 깃 사용과 협업하는 법을 배워가게 되었습니다</a:t>
             </a:r>
             <a:r>
-              <a:rPr lang="en-US" altLang="ko-KR" sz="1500" b="1" dirty="0"/>
+              <a:rPr lang="en-US" altLang="ko-KR" sz="1500" b="1" dirty="0">
+                <a:latin typeface="나눔고딕" panose="020D0604000000000000" pitchFamily="50" charset="-127"/>
+                <a:ea typeface="나눔고딕" panose="020D0604000000000000" pitchFamily="50" charset="-127"/>
+              </a:rPr>
               <a:t>.</a:t>
             </a:r>
           </a:p>
           <a:p>
-            <a:endParaRPr lang="en-US" altLang="ko-KR" sz="1500" b="1" dirty="0"/>
+            <a:endParaRPr lang="en-US" altLang="ko-KR" sz="1500" b="1" dirty="0">
+              <a:latin typeface="나눔고딕" panose="020D0604000000000000" pitchFamily="50" charset="-127"/>
+              <a:ea typeface="나눔고딕" panose="020D0604000000000000" pitchFamily="50" charset="-127"/>
+            </a:endParaRPr>
           </a:p>
         </p:txBody>
       </p:sp>
@@ -6734,74 +7083,128 @@
           <a:lstStyle/>
           <a:p>
             <a:r>
-              <a:rPr lang="ko-KR" altLang="en-US" sz="1500" b="1" dirty="0" err="1"/>
+              <a:rPr lang="ko-KR" altLang="en-US" sz="1500" b="1" dirty="0" err="1">
+                <a:latin typeface="나눔고딕" panose="020D0604000000000000" pitchFamily="50" charset="-127"/>
+                <a:ea typeface="나눔고딕" panose="020D0604000000000000" pitchFamily="50" charset="-127"/>
+              </a:rPr>
               <a:t>크롤링을</a:t>
             </a:r>
             <a:r>
-              <a:rPr lang="ko-KR" altLang="en-US" sz="1500" b="1" dirty="0"/>
+              <a:rPr lang="ko-KR" altLang="en-US" sz="1500" b="1" dirty="0">
+                <a:latin typeface="나눔고딕" panose="020D0604000000000000" pitchFamily="50" charset="-127"/>
+                <a:ea typeface="나눔고딕" panose="020D0604000000000000" pitchFamily="50" charset="-127"/>
+              </a:rPr>
               <a:t> 처음 해보는 과정이라 많이 힘들었지만</a:t>
             </a:r>
             <a:r>
-              <a:rPr lang="en-US" altLang="ko-KR" sz="1500" b="1" dirty="0"/>
+              <a:rPr lang="en-US" altLang="ko-KR" sz="1500" b="1" dirty="0">
+                <a:latin typeface="나눔고딕" panose="020D0604000000000000" pitchFamily="50" charset="-127"/>
+                <a:ea typeface="나눔고딕" panose="020D0604000000000000" pitchFamily="50" charset="-127"/>
+              </a:rPr>
               <a:t>, </a:t>
             </a:r>
             <a:r>
-              <a:rPr lang="ko-KR" altLang="en-US" sz="1500" b="1" dirty="0"/>
+              <a:rPr lang="ko-KR" altLang="en-US" sz="1500" b="1" dirty="0">
+                <a:latin typeface="나눔고딕" panose="020D0604000000000000" pitchFamily="50" charset="-127"/>
+                <a:ea typeface="나눔고딕" panose="020D0604000000000000" pitchFamily="50" charset="-127"/>
+              </a:rPr>
               <a:t>팀원들의 도움 덕분에 점점 이해할 수 있게 되었습니다</a:t>
             </a:r>
             <a:r>
-              <a:rPr lang="en-US" altLang="ko-KR" sz="1500" b="1" dirty="0"/>
+              <a:rPr lang="en-US" altLang="ko-KR" sz="1500" b="1" dirty="0">
+                <a:latin typeface="나눔고딕" panose="020D0604000000000000" pitchFamily="50" charset="-127"/>
+                <a:ea typeface="나눔고딕" panose="020D0604000000000000" pitchFamily="50" charset="-127"/>
+              </a:rPr>
               <a:t>. </a:t>
             </a:r>
             <a:r>
-              <a:rPr lang="ko-KR" altLang="en-US" sz="1500" b="1" dirty="0"/>
+              <a:rPr lang="ko-KR" altLang="en-US" sz="1500" b="1" dirty="0">
+                <a:latin typeface="나눔고딕" panose="020D0604000000000000" pitchFamily="50" charset="-127"/>
+                <a:ea typeface="나눔고딕" panose="020D0604000000000000" pitchFamily="50" charset="-127"/>
+              </a:rPr>
               <a:t>특히 이번 프로젝트를 진행하면서 </a:t>
             </a:r>
             <a:r>
-              <a:rPr lang="en-US" altLang="ko-KR" sz="1500" b="1" dirty="0"/>
+              <a:rPr lang="en-US" altLang="ko-KR" sz="1500" b="1" dirty="0">
+                <a:latin typeface="나눔고딕" panose="020D0604000000000000" pitchFamily="50" charset="-127"/>
+                <a:ea typeface="나눔고딕" panose="020D0604000000000000" pitchFamily="50" charset="-127"/>
+              </a:rPr>
               <a:t>Git</a:t>
             </a:r>
             <a:r>
-              <a:rPr lang="ko-KR" altLang="en-US" sz="1500" b="1" dirty="0"/>
+              <a:rPr lang="ko-KR" altLang="en-US" sz="1500" b="1" dirty="0">
+                <a:latin typeface="나눔고딕" panose="020D0604000000000000" pitchFamily="50" charset="-127"/>
+                <a:ea typeface="나눔고딕" panose="020D0604000000000000" pitchFamily="50" charset="-127"/>
+              </a:rPr>
               <a:t>을 자주 활용해 보았는데</a:t>
             </a:r>
             <a:r>
-              <a:rPr lang="en-US" altLang="ko-KR" sz="1500" b="1" dirty="0"/>
+              <a:rPr lang="en-US" altLang="ko-KR" sz="1500" b="1" dirty="0">
+                <a:latin typeface="나눔고딕" panose="020D0604000000000000" pitchFamily="50" charset="-127"/>
+                <a:ea typeface="나눔고딕" panose="020D0604000000000000" pitchFamily="50" charset="-127"/>
+              </a:rPr>
               <a:t>, </a:t>
             </a:r>
             <a:r>
-              <a:rPr lang="ko-KR" altLang="en-US" sz="1500" b="1" dirty="0"/>
+              <a:rPr lang="ko-KR" altLang="en-US" sz="1500" b="1" dirty="0">
+                <a:latin typeface="나눔고딕" panose="020D0604000000000000" pitchFamily="50" charset="-127"/>
+                <a:ea typeface="나눔고딕" panose="020D0604000000000000" pitchFamily="50" charset="-127"/>
+              </a:rPr>
               <a:t>다소 어렵게 느껴졌지만 협업에 매우 유용한 도구라는 것을 </a:t>
             </a:r>
             <a:r>
-              <a:rPr lang="ko-KR" altLang="en-US" sz="1500" b="1" dirty="0" err="1"/>
+              <a:rPr lang="ko-KR" altLang="en-US" sz="1500" b="1" dirty="0" err="1">
+                <a:latin typeface="나눔고딕" panose="020D0604000000000000" pitchFamily="50" charset="-127"/>
+                <a:ea typeface="나눔고딕" panose="020D0604000000000000" pitchFamily="50" charset="-127"/>
+              </a:rPr>
               <a:t>깨달았습니다</a:t>
             </a:r>
             <a:r>
-              <a:rPr lang="en-US" altLang="ko-KR" sz="1500" b="1" dirty="0"/>
+              <a:rPr lang="en-US" altLang="ko-KR" sz="1500" b="1" dirty="0">
+                <a:latin typeface="나눔고딕" panose="020D0604000000000000" pitchFamily="50" charset="-127"/>
+                <a:ea typeface="나눔고딕" panose="020D0604000000000000" pitchFamily="50" charset="-127"/>
+              </a:rPr>
               <a:t>. </a:t>
             </a:r>
             <a:r>
-              <a:rPr lang="ko-KR" altLang="en-US" sz="1500" b="1" dirty="0"/>
+              <a:rPr lang="ko-KR" altLang="en-US" sz="1500" b="1" dirty="0">
+                <a:latin typeface="나눔고딕" panose="020D0604000000000000" pitchFamily="50" charset="-127"/>
+                <a:ea typeface="나눔고딕" panose="020D0604000000000000" pitchFamily="50" charset="-127"/>
+              </a:rPr>
               <a:t>앞으로도 </a:t>
             </a:r>
             <a:r>
-              <a:rPr lang="en-US" altLang="ko-KR" sz="1500" b="1" dirty="0"/>
+              <a:rPr lang="en-US" altLang="ko-KR" sz="1500" b="1" dirty="0">
+                <a:latin typeface="나눔고딕" panose="020D0604000000000000" pitchFamily="50" charset="-127"/>
+                <a:ea typeface="나눔고딕" panose="020D0604000000000000" pitchFamily="50" charset="-127"/>
+              </a:rPr>
               <a:t>Git</a:t>
             </a:r>
             <a:r>
-              <a:rPr lang="ko-KR" altLang="en-US" sz="1500" b="1" dirty="0"/>
+              <a:rPr lang="ko-KR" altLang="en-US" sz="1500" b="1" dirty="0">
+                <a:latin typeface="나눔고딕" panose="020D0604000000000000" pitchFamily="50" charset="-127"/>
+                <a:ea typeface="나눔고딕" panose="020D0604000000000000" pitchFamily="50" charset="-127"/>
+              </a:rPr>
               <a:t>과 </a:t>
             </a:r>
             <a:r>
-              <a:rPr lang="ko-KR" altLang="en-US" sz="1500" b="1" dirty="0" err="1"/>
+              <a:rPr lang="ko-KR" altLang="en-US" sz="1500" b="1" dirty="0" err="1">
+                <a:latin typeface="나눔고딕" panose="020D0604000000000000" pitchFamily="50" charset="-127"/>
+                <a:ea typeface="나눔고딕" panose="020D0604000000000000" pitchFamily="50" charset="-127"/>
+              </a:rPr>
               <a:t>크롤링에</a:t>
             </a:r>
             <a:r>
-              <a:rPr lang="ko-KR" altLang="en-US" sz="1500" b="1" dirty="0"/>
+              <a:rPr lang="ko-KR" altLang="en-US" sz="1500" b="1" dirty="0">
+                <a:latin typeface="나눔고딕" panose="020D0604000000000000" pitchFamily="50" charset="-127"/>
+                <a:ea typeface="나눔고딕" panose="020D0604000000000000" pitchFamily="50" charset="-127"/>
+              </a:rPr>
               <a:t> 대해 더 깊이 배우고 싶습니다</a:t>
             </a:r>
-            <a:endParaRPr lang="en-US" altLang="ko-KR" sz="1500" b="1" dirty="0"/>
+            <a:endParaRPr lang="en-US" altLang="ko-KR" sz="1500" b="1" dirty="0">
+              <a:latin typeface="나눔고딕" panose="020D0604000000000000" pitchFamily="50" charset="-127"/>
+              <a:ea typeface="나눔고딕" panose="020D0604000000000000" pitchFamily="50" charset="-127"/>
+            </a:endParaRPr>
           </a:p>
         </p:txBody>
       </p:sp>
@@ -6834,35 +7237,59 @@
           <a:lstStyle/>
           <a:p>
             <a:r>
-              <a:rPr lang="ko-KR" altLang="en-US" sz="1500" b="1" dirty="0"/>
+              <a:rPr lang="ko-KR" altLang="en-US" sz="1500" b="1" dirty="0">
+                <a:latin typeface="나눔고딕" panose="020D0604000000000000" pitchFamily="50" charset="-127"/>
+                <a:ea typeface="나눔고딕" panose="020D0604000000000000" pitchFamily="50" charset="-127"/>
+              </a:rPr>
               <a:t>팀원들과 첫 프로젝트를 진행하였는데</a:t>
             </a:r>
             <a:r>
-              <a:rPr lang="en-US" altLang="ko-KR" sz="1500" b="1" dirty="0"/>
+              <a:rPr lang="en-US" altLang="ko-KR" sz="1500" b="1" dirty="0">
+                <a:latin typeface="나눔고딕" panose="020D0604000000000000" pitchFamily="50" charset="-127"/>
+                <a:ea typeface="나눔고딕" panose="020D0604000000000000" pitchFamily="50" charset="-127"/>
+              </a:rPr>
               <a:t>, </a:t>
             </a:r>
             <a:r>
-              <a:rPr lang="ko-KR" altLang="en-US" sz="1500" b="1" dirty="0"/>
+              <a:rPr lang="ko-KR" altLang="en-US" sz="1500" b="1" dirty="0">
+                <a:latin typeface="나눔고딕" panose="020D0604000000000000" pitchFamily="50" charset="-127"/>
+                <a:ea typeface="나눔고딕" panose="020D0604000000000000" pitchFamily="50" charset="-127"/>
+              </a:rPr>
               <a:t>다들 서로 배려해주시고 좋은 사람들과 같이 작업할 수 있어서 좋았습니다</a:t>
             </a:r>
             <a:r>
-              <a:rPr lang="en-US" altLang="ko-KR" sz="1500" b="1" dirty="0"/>
+              <a:rPr lang="en-US" altLang="ko-KR" sz="1500" b="1" dirty="0">
+                <a:latin typeface="나눔고딕" panose="020D0604000000000000" pitchFamily="50" charset="-127"/>
+                <a:ea typeface="나눔고딕" panose="020D0604000000000000" pitchFamily="50" charset="-127"/>
+              </a:rPr>
               <a:t>. </a:t>
             </a:r>
             <a:r>
-              <a:rPr lang="ko-KR" altLang="en-US" sz="1500" b="1" dirty="0"/>
+              <a:rPr lang="ko-KR" altLang="en-US" sz="1500" b="1" dirty="0">
+                <a:latin typeface="나눔고딕" panose="020D0604000000000000" pitchFamily="50" charset="-127"/>
+                <a:ea typeface="나눔고딕" panose="020D0604000000000000" pitchFamily="50" charset="-127"/>
+              </a:rPr>
               <a:t>수업시간에 배운 부분들을 프로젝트에 잘 녹여낼 수 있어서 좋았고</a:t>
             </a:r>
             <a:r>
-              <a:rPr lang="en-US" altLang="ko-KR" sz="1500" b="1" dirty="0"/>
+              <a:rPr lang="en-US" altLang="ko-KR" sz="1500" b="1" dirty="0">
+                <a:latin typeface="나눔고딕" panose="020D0604000000000000" pitchFamily="50" charset="-127"/>
+                <a:ea typeface="나눔고딕" panose="020D0604000000000000" pitchFamily="50" charset="-127"/>
+              </a:rPr>
               <a:t>, </a:t>
             </a:r>
             <a:r>
-              <a:rPr lang="ko-KR" altLang="en-US" sz="1500" b="1" dirty="0"/>
+              <a:rPr lang="ko-KR" altLang="en-US" sz="1500" b="1" dirty="0">
+                <a:latin typeface="나눔고딕" panose="020D0604000000000000" pitchFamily="50" charset="-127"/>
+                <a:ea typeface="나눔고딕" panose="020D0604000000000000" pitchFamily="50" charset="-127"/>
+              </a:rPr>
               <a:t>다들 고생하셨습니다</a:t>
             </a:r>
             <a:r>
-              <a:rPr lang="en-US" altLang="ko-KR" sz="1500" b="1" dirty="0"/>
+              <a:rPr lang="en-US" altLang="ko-KR" sz="1500" b="1" dirty="0">
+                <a:latin typeface="나눔고딕" panose="020D0604000000000000" pitchFamily="50" charset="-127"/>
+                <a:ea typeface="나눔고딕" panose="020D0604000000000000" pitchFamily="50" charset="-127"/>
+              </a:rPr>
               <a:t>.</a:t>
             </a:r>
           </a:p>
@@ -6872,6 +7299,192 @@
     <p:extLst>
       <p:ext uri="{BB962C8B-B14F-4D97-AF65-F5344CB8AC3E}">
         <p14:creationId xmlns:p14="http://schemas.microsoft.com/office/powerpoint/2010/main" val="563968905"/>
+      </p:ext>
+    </p:extLst>
+  </p:cSld>
+  <p:clrMapOvr>
+    <a:masterClrMapping/>
+  </p:clrMapOvr>
+</p:sld>
+</file>
+
+<file path=ppt/slides/slide18.xml><?xml version="1.0" encoding="utf-8"?>
+<p:sld xmlns:a="http://schemas.openxmlformats.org/drawingml/2006/main" xmlns:r="http://schemas.openxmlformats.org/officeDocument/2006/relationships" xmlns:p="http://schemas.openxmlformats.org/presentationml/2006/main">
+  <p:cSld>
+    <p:spTree>
+      <p:nvGrpSpPr>
+        <p:cNvPr id="1" name="">
+          <a:extLst>
+            <a:ext uri="{FF2B5EF4-FFF2-40B4-BE49-F238E27FC236}">
+              <a16:creationId xmlns:a16="http://schemas.microsoft.com/office/drawing/2014/main" id="{95C48E89-A237-929D-CC86-3EA0CF385B62}"/>
+            </a:ext>
+          </a:extLst>
+        </p:cNvPr>
+        <p:cNvGrpSpPr/>
+        <p:nvPr/>
+      </p:nvGrpSpPr>
+      <p:grpSpPr>
+        <a:xfrm>
+          <a:off x="0" y="0"/>
+          <a:ext cx="0" cy="0"/>
+          <a:chOff x="0" y="0"/>
+          <a:chExt cx="0" cy="0"/>
+        </a:xfrm>
+      </p:grpSpPr>
+      <p:sp>
+        <p:nvSpPr>
+          <p:cNvPr id="2" name="Rectangle 1">
+            <a:extLst>
+              <a:ext uri="{FF2B5EF4-FFF2-40B4-BE49-F238E27FC236}">
+                <a16:creationId xmlns:a16="http://schemas.microsoft.com/office/drawing/2014/main" id="{CB4B72AD-2DCA-5D6E-EC1C-A1274537E6CD}"/>
+              </a:ext>
+            </a:extLst>
+          </p:cNvPr>
+          <p:cNvSpPr/>
+          <p:nvPr/>
+        </p:nvSpPr>
+        <p:spPr>
+          <a:xfrm>
+            <a:off x="0" y="3"/>
+            <a:ext cx="12192000" cy="3429000"/>
+          </a:xfrm>
+          <a:prstGeom prst="rect">
+            <a:avLst/>
+          </a:prstGeom>
+          <a:solidFill>
+            <a:schemeClr val="accent3">
+              <a:lumMod val="20000"/>
+              <a:lumOff val="80000"/>
+            </a:schemeClr>
+          </a:solidFill>
+          <a:ln>
+            <a:noFill/>
+          </a:ln>
+        </p:spPr>
+        <p:style>
+          <a:lnRef idx="1">
+            <a:schemeClr val="accent1"/>
+          </a:lnRef>
+          <a:fillRef idx="3">
+            <a:schemeClr val="accent1"/>
+          </a:fillRef>
+          <a:effectRef idx="2">
+            <a:schemeClr val="accent1"/>
+          </a:effectRef>
+          <a:fontRef idx="minor">
+            <a:schemeClr val="lt1"/>
+          </a:fontRef>
+        </p:style>
+        <p:txBody>
+          <a:bodyPr rtlCol="0" anchor="ctr"/>
+          <a:lstStyle/>
+          <a:p>
+            <a:pPr algn="ctr"/>
+            <a:endParaRPr/>
+          </a:p>
+        </p:txBody>
+      </p:sp>
+      <p:sp>
+        <p:nvSpPr>
+          <p:cNvPr id="3" name="Rectangle 2">
+            <a:extLst>
+              <a:ext uri="{FF2B5EF4-FFF2-40B4-BE49-F238E27FC236}">
+                <a16:creationId xmlns:a16="http://schemas.microsoft.com/office/drawing/2014/main" id="{1CC7BD83-18BB-7BB7-093A-DD0E295E2E70}"/>
+              </a:ext>
+            </a:extLst>
+          </p:cNvPr>
+          <p:cNvSpPr/>
+          <p:nvPr/>
+        </p:nvSpPr>
+        <p:spPr>
+          <a:xfrm>
+            <a:off x="1" y="3419173"/>
+            <a:ext cx="12192000" cy="3429000"/>
+          </a:xfrm>
+          <a:prstGeom prst="rect">
+            <a:avLst/>
+          </a:prstGeom>
+          <a:solidFill>
+            <a:srgbClr val="F1F8E9"/>
+          </a:solidFill>
+          <a:ln>
+            <a:noFill/>
+          </a:ln>
+        </p:spPr>
+        <p:style>
+          <a:lnRef idx="1">
+            <a:schemeClr val="accent1"/>
+          </a:lnRef>
+          <a:fillRef idx="3">
+            <a:schemeClr val="accent1"/>
+          </a:fillRef>
+          <a:effectRef idx="2">
+            <a:schemeClr val="accent1"/>
+          </a:effectRef>
+          <a:fontRef idx="minor">
+            <a:schemeClr val="lt1"/>
+          </a:fontRef>
+        </p:style>
+        <p:txBody>
+          <a:bodyPr rtlCol="0" anchor="ctr"/>
+          <a:lstStyle/>
+          <a:p>
+            <a:pPr algn="ctr"/>
+            <a:r>
+              <a:rPr lang="en-US" dirty="0"/>
+              <a:t>2</a:t>
+            </a:r>
+            <a:endParaRPr dirty="0"/>
+          </a:p>
+        </p:txBody>
+      </p:sp>
+      <p:sp>
+        <p:nvSpPr>
+          <p:cNvPr id="7" name="TextBox 6">
+            <a:extLst>
+              <a:ext uri="{FF2B5EF4-FFF2-40B4-BE49-F238E27FC236}">
+                <a16:creationId xmlns:a16="http://schemas.microsoft.com/office/drawing/2014/main" id="{747BE9C2-08EE-C741-1956-F2C5E46B8EA3}"/>
+              </a:ext>
+            </a:extLst>
+          </p:cNvPr>
+          <p:cNvSpPr txBox="1"/>
+          <p:nvPr/>
+        </p:nvSpPr>
+        <p:spPr>
+          <a:xfrm>
+            <a:off x="2453473" y="2911341"/>
+            <a:ext cx="7285054" cy="1015663"/>
+          </a:xfrm>
+          <a:prstGeom prst="rect">
+            <a:avLst/>
+          </a:prstGeom>
+          <a:noFill/>
+        </p:spPr>
+        <p:txBody>
+          <a:bodyPr wrap="square">
+            <a:spAutoFit/>
+          </a:bodyPr>
+          <a:lstStyle/>
+          <a:p>
+            <a:pPr algn="ctr"/>
+            <a:r>
+              <a:rPr lang="ko-KR" altLang="en-US" sz="6000" b="1" dirty="0">
+                <a:latin typeface="나눔고딕" panose="020D0604000000000000" pitchFamily="50" charset="-127"/>
+                <a:ea typeface="나눔고딕" panose="020D0604000000000000" pitchFamily="50" charset="-127"/>
+              </a:rPr>
+              <a:t>감사합니다</a:t>
+            </a:r>
+            <a:endParaRPr sz="6000" b="1" dirty="0">
+              <a:latin typeface="나눔고딕" panose="020D0604000000000000" pitchFamily="50" charset="-127"/>
+              <a:ea typeface="나눔고딕" panose="020D0604000000000000" pitchFamily="50" charset="-127"/>
+            </a:endParaRPr>
+          </a:p>
+        </p:txBody>
+      </p:sp>
+    </p:spTree>
+    <p:extLst>
+      <p:ext uri="{BB962C8B-B14F-4D97-AF65-F5344CB8AC3E}">
+        <p14:creationId xmlns:p14="http://schemas.microsoft.com/office/powerpoint/2010/main" val="3982176750"/>
       </p:ext>
     </p:extLst>
   </p:cSld>
@@ -6925,7 +7538,10 @@
             <a:avLst/>
           </a:prstGeom>
           <a:solidFill>
-            <a:srgbClr val="E8F5E9"/>
+            <a:schemeClr val="accent3">
+              <a:lumMod val="20000"/>
+              <a:lumOff val="80000"/>
+            </a:schemeClr>
           </a:solidFill>
           <a:ln>
             <a:noFill/>
@@ -7037,10 +7653,16 @@
           <a:lstStyle/>
           <a:p>
             <a:r>
-              <a:rPr lang="ko-KR" altLang="en-US" sz="4000" b="1" dirty="0"/>
+              <a:rPr lang="ko-KR" altLang="en-US" sz="4000" b="1" dirty="0">
+                <a:latin typeface="나눔고딕" panose="020D0604000000000000" pitchFamily="50" charset="-127"/>
+                <a:ea typeface="나눔고딕" panose="020D0604000000000000" pitchFamily="50" charset="-127"/>
+              </a:rPr>
               <a:t>목차</a:t>
             </a:r>
-            <a:endParaRPr sz="4000" b="1" dirty="0"/>
+            <a:endParaRPr sz="4000" b="1" dirty="0">
+              <a:latin typeface="나눔고딕" panose="020D0604000000000000" pitchFamily="50" charset="-127"/>
+              <a:ea typeface="나눔고딕" panose="020D0604000000000000" pitchFamily="50" charset="-127"/>
+            </a:endParaRPr>
           </a:p>
         </p:txBody>
       </p:sp>
@@ -7059,7 +7681,7 @@
         <p:spPr>
           <a:xfrm>
             <a:off x="2502982" y="1624699"/>
-            <a:ext cx="6529258" cy="4647426"/>
+            <a:ext cx="6529258" cy="4185761"/>
           </a:xfrm>
           <a:prstGeom prst="rect">
             <a:avLst/>
@@ -7072,7 +7694,10 @@
           </a:bodyPr>
           <a:lstStyle/>
           <a:p>
-            <a:endParaRPr lang="ko-KR" altLang="en-US" sz="2800" b="1" dirty="0"/>
+            <a:endParaRPr lang="ko-KR" altLang="en-US" sz="2800" b="1" dirty="0">
+              <a:latin typeface="나눔고딕" panose="020D0604000000000000" pitchFamily="50" charset="-127"/>
+              <a:ea typeface="나눔고딕" panose="020D0604000000000000" pitchFamily="50" charset="-127"/>
+            </a:endParaRPr>
           </a:p>
           <a:p>
             <a:pPr>
@@ -7083,14 +7708,16 @@
               </a:defRPr>
             </a:pPr>
             <a:r>
-              <a:rPr lang="en-US" altLang="ko-KR" sz="4000" b="1" dirty="0">
-                <a:latin typeface="+mn-ea"/>
+              <a:rPr lang="en-US" altLang="ko-KR" sz="3500" b="1" dirty="0">
+                <a:latin typeface="나눔고딕" panose="020D0604000000000000" pitchFamily="50" charset="-127"/>
+                <a:ea typeface="나눔고딕" panose="020D0604000000000000" pitchFamily="50" charset="-127"/>
               </a:rPr>
               <a:t>- </a:t>
             </a:r>
             <a:r>
-              <a:rPr lang="ko-KR" altLang="en-US" sz="4000" b="1" dirty="0">
-                <a:latin typeface="+mn-ea"/>
+              <a:rPr lang="ko-KR" altLang="en-US" sz="3500" b="1" dirty="0">
+                <a:latin typeface="나눔고딕" panose="020D0604000000000000" pitchFamily="50" charset="-127"/>
+                <a:ea typeface="나눔고딕" panose="020D0604000000000000" pitchFamily="50" charset="-127"/>
               </a:rPr>
               <a:t>프로젝트 개요</a:t>
             </a:r>
@@ -7104,14 +7731,16 @@
               </a:defRPr>
             </a:pPr>
             <a:r>
-              <a:rPr lang="en-US" altLang="ko-KR" sz="4000" b="1" dirty="0">
-                <a:latin typeface="+mn-ea"/>
+              <a:rPr lang="en-US" altLang="ko-KR" sz="3500" b="1" dirty="0">
+                <a:latin typeface="나눔고딕" panose="020D0604000000000000" pitchFamily="50" charset="-127"/>
+                <a:ea typeface="나눔고딕" panose="020D0604000000000000" pitchFamily="50" charset="-127"/>
               </a:rPr>
               <a:t>- </a:t>
             </a:r>
             <a:r>
-              <a:rPr lang="ko-KR" altLang="en-US" sz="4000" b="1" dirty="0">
-                <a:latin typeface="+mn-ea"/>
+              <a:rPr lang="ko-KR" altLang="en-US" sz="3500" b="1" dirty="0">
+                <a:latin typeface="나눔고딕" panose="020D0604000000000000" pitchFamily="50" charset="-127"/>
+                <a:ea typeface="나눔고딕" panose="020D0604000000000000" pitchFamily="50" charset="-127"/>
               </a:rPr>
               <a:t>개발과정</a:t>
             </a:r>
@@ -7125,16 +7754,18 @@
               </a:defRPr>
             </a:pPr>
             <a:r>
-              <a:rPr lang="en-US" altLang="ko-KR" sz="4000" b="1" dirty="0">
-                <a:latin typeface="+mn-ea"/>
+              <a:rPr lang="en-US" altLang="ko-KR" sz="3500" b="1" dirty="0">
+                <a:latin typeface="나눔고딕" panose="020D0604000000000000" pitchFamily="50" charset="-127"/>
+                <a:ea typeface="나눔고딕" panose="020D0604000000000000" pitchFamily="50" charset="-127"/>
               </a:rPr>
               <a:t>- </a:t>
             </a:r>
             <a:r>
-              <a:rPr lang="ko-KR" altLang="en-US" sz="4000" b="1" dirty="0">
-                <a:latin typeface="+mn-ea"/>
-              </a:rPr>
-              <a:t>기술 스택</a:t>
+              <a:rPr lang="ko-KR" altLang="en-US" sz="3500" b="1" dirty="0">
+                <a:latin typeface="나눔고딕" panose="020D0604000000000000" pitchFamily="50" charset="-127"/>
+                <a:ea typeface="나눔고딕" panose="020D0604000000000000" pitchFamily="50" charset="-127"/>
+              </a:rPr>
+              <a:t>개발 환경 및 기술 스택</a:t>
             </a:r>
           </a:p>
           <a:p>
@@ -7146,14 +7777,16 @@
               </a:defRPr>
             </a:pPr>
             <a:r>
-              <a:rPr lang="en-US" altLang="ko-KR" sz="4000" b="1" dirty="0">
-                <a:latin typeface="+mn-ea"/>
+              <a:rPr lang="en-US" altLang="ko-KR" sz="3500" b="1" dirty="0">
+                <a:latin typeface="나눔고딕" panose="020D0604000000000000" pitchFamily="50" charset="-127"/>
+                <a:ea typeface="나눔고딕" panose="020D0604000000000000" pitchFamily="50" charset="-127"/>
               </a:rPr>
               <a:t>- </a:t>
             </a:r>
             <a:r>
-              <a:rPr lang="ko-KR" altLang="en-US" sz="4000" b="1" dirty="0">
-                <a:latin typeface="+mn-ea"/>
+              <a:rPr lang="ko-KR" altLang="en-US" sz="3500" b="1" dirty="0">
+                <a:latin typeface="나눔고딕" panose="020D0604000000000000" pitchFamily="50" charset="-127"/>
+                <a:ea typeface="나눔고딕" panose="020D0604000000000000" pitchFamily="50" charset="-127"/>
               </a:rPr>
               <a:t>데이터 소개</a:t>
             </a:r>
@@ -7167,16 +7800,18 @@
               </a:defRPr>
             </a:pPr>
             <a:r>
-              <a:rPr lang="en-US" altLang="ko-KR" sz="4000" b="1" dirty="0">
-                <a:latin typeface="+mn-ea"/>
+              <a:rPr lang="en-US" altLang="ko-KR" sz="3500" b="1" dirty="0">
+                <a:latin typeface="나눔고딕" panose="020D0604000000000000" pitchFamily="50" charset="-127"/>
+                <a:ea typeface="나눔고딕" panose="020D0604000000000000" pitchFamily="50" charset="-127"/>
               </a:rPr>
               <a:t>- </a:t>
             </a:r>
             <a:r>
-              <a:rPr lang="ko-KR" altLang="en-US" sz="4000" b="1" dirty="0">
-                <a:latin typeface="+mn-ea"/>
-              </a:rPr>
-              <a:t>결과물 시연</a:t>
+              <a:rPr lang="ko-KR" altLang="en-US" sz="3500" b="1" dirty="0">
+                <a:latin typeface="나눔고딕" panose="020D0604000000000000" pitchFamily="50" charset="-127"/>
+                <a:ea typeface="나눔고딕" panose="020D0604000000000000" pitchFamily="50" charset="-127"/>
+              </a:rPr>
+              <a:t>결과물 및 시연</a:t>
             </a:r>
           </a:p>
           <a:p>
@@ -7188,20 +7823,25 @@
               </a:defRPr>
             </a:pPr>
             <a:r>
-              <a:rPr lang="en-US" altLang="ko-KR" sz="4000" b="1" dirty="0">
-                <a:latin typeface="+mn-ea"/>
+              <a:rPr lang="en-US" altLang="ko-KR" sz="3500" b="1" dirty="0">
+                <a:latin typeface="나눔고딕" panose="020D0604000000000000" pitchFamily="50" charset="-127"/>
+                <a:ea typeface="나눔고딕" panose="020D0604000000000000" pitchFamily="50" charset="-127"/>
               </a:rPr>
               <a:t>- </a:t>
             </a:r>
             <a:r>
-              <a:rPr lang="ko-KR" altLang="en-US" sz="4000" b="1" dirty="0">
-                <a:latin typeface="+mn-ea"/>
+              <a:rPr lang="ko-KR" altLang="en-US" sz="3500" b="1" dirty="0">
+                <a:latin typeface="나눔고딕" panose="020D0604000000000000" pitchFamily="50" charset="-127"/>
+                <a:ea typeface="나눔고딕" panose="020D0604000000000000" pitchFamily="50" charset="-127"/>
               </a:rPr>
               <a:t>한 줄 회고</a:t>
             </a:r>
           </a:p>
           <a:p>
-            <a:endParaRPr sz="2800" b="1" dirty="0"/>
+            <a:endParaRPr sz="2800" b="1" dirty="0">
+              <a:latin typeface="나눔고딕" panose="020D0604000000000000" pitchFamily="50" charset="-127"/>
+              <a:ea typeface="나눔고딕" panose="020D0604000000000000" pitchFamily="50" charset="-127"/>
+            </a:endParaRPr>
           </a:p>
         </p:txBody>
       </p:sp>
@@ -7262,7 +7902,10 @@
             <a:avLst/>
           </a:prstGeom>
           <a:solidFill>
-            <a:srgbClr val="E8F5E9"/>
+            <a:schemeClr val="accent3">
+              <a:lumMod val="20000"/>
+              <a:lumOff val="80000"/>
+            </a:schemeClr>
           </a:solidFill>
           <a:ln>
             <a:noFill/>
@@ -7338,10 +7981,16 @@
           <a:p>
             <a:pPr algn="ctr"/>
             <a:r>
-              <a:rPr lang="en-US" dirty="0"/>
+              <a:rPr lang="en-US" dirty="0">
+                <a:latin typeface="나눔고딕" panose="020D0604000000000000" pitchFamily="50" charset="-127"/>
+                <a:ea typeface="나눔고딕" panose="020D0604000000000000" pitchFamily="50" charset="-127"/>
+              </a:rPr>
               <a:t>2</a:t>
             </a:r>
-            <a:endParaRPr dirty="0"/>
+            <a:endParaRPr dirty="0">
+              <a:latin typeface="나눔고딕" panose="020D0604000000000000" pitchFamily="50" charset="-127"/>
+              <a:ea typeface="나눔고딕" panose="020D0604000000000000" pitchFamily="50" charset="-127"/>
+            </a:endParaRPr>
           </a:p>
         </p:txBody>
       </p:sp>
@@ -7374,10 +8023,16 @@
           <a:lstStyle/>
           <a:p>
             <a:r>
-              <a:rPr lang="ko-KR" altLang="en-US" sz="2800" b="1" dirty="0"/>
+              <a:rPr lang="ko-KR" altLang="en-US" sz="2800" b="1" dirty="0">
+                <a:latin typeface="나눔고딕" panose="020D0604000000000000" pitchFamily="50" charset="-127"/>
+                <a:ea typeface="나눔고딕" panose="020D0604000000000000" pitchFamily="50" charset="-127"/>
+              </a:rPr>
               <a:t>프로젝트개요</a:t>
             </a:r>
-            <a:endParaRPr sz="2800" b="1" dirty="0"/>
+            <a:endParaRPr sz="2800" b="1" dirty="0">
+              <a:latin typeface="나눔고딕" panose="020D0604000000000000" pitchFamily="50" charset="-127"/>
+              <a:ea typeface="나눔고딕" panose="020D0604000000000000" pitchFamily="50" charset="-127"/>
+            </a:endParaRPr>
           </a:p>
         </p:txBody>
       </p:sp>
@@ -7396,7 +8051,7 @@
         <p:spPr>
           <a:xfrm>
             <a:off x="1364614" y="1232536"/>
-            <a:ext cx="6443510" cy="2185214"/>
+            <a:ext cx="8587106" cy="1800493"/>
           </a:xfrm>
           <a:prstGeom prst="rect">
             <a:avLst/>
@@ -7409,29 +8064,50 @@
           </a:bodyPr>
           <a:lstStyle/>
           <a:p>
-            <a:endParaRPr lang="ko-KR" altLang="en-US" dirty="0"/>
-          </a:p>
-          <a:p>
-            <a:r>
-              <a:rPr lang="en-US" altLang="ko-KR" sz="2500" b="1" dirty="0"/>
+            <a:endParaRPr lang="ko-KR" altLang="en-US" dirty="0">
+              <a:latin typeface="나눔고딕" panose="020D0604000000000000" pitchFamily="50" charset="-127"/>
+              <a:ea typeface="나눔고딕" panose="020D0604000000000000" pitchFamily="50" charset="-127"/>
+            </a:endParaRPr>
+          </a:p>
+          <a:p>
+            <a:r>
+              <a:rPr lang="en-US" altLang="ko-KR" sz="2500" b="1" dirty="0">
+                <a:latin typeface="나눔고딕" panose="020D0604000000000000" pitchFamily="50" charset="-127"/>
+                <a:ea typeface="나눔고딕" panose="020D0604000000000000" pitchFamily="50" charset="-127"/>
+              </a:rPr>
               <a:t>1. </a:t>
             </a:r>
             <a:r>
-              <a:rPr lang="ko-KR" altLang="en-US" sz="2500" b="1" dirty="0"/>
+              <a:rPr lang="ko-KR" altLang="en-US" sz="2500" b="1" dirty="0">
+                <a:latin typeface="나눔고딕" panose="020D0604000000000000" pitchFamily="50" charset="-127"/>
+                <a:ea typeface="나눔고딕" panose="020D0604000000000000" pitchFamily="50" charset="-127"/>
+              </a:rPr>
               <a:t>주제 선정 배경</a:t>
             </a:r>
-            <a:endParaRPr lang="en-US" altLang="ko-KR" sz="2500" b="1" dirty="0"/>
-          </a:p>
-          <a:p>
-            <a:r>
-              <a:rPr lang="en-US" sz="2500" b="1" dirty="0"/>
-              <a:t>- ESG</a:t>
-            </a:r>
-            <a:r>
-              <a:rPr lang="ko-KR" altLang="en-US" sz="2500" b="1" dirty="0"/>
-              <a:t>와 트랜드 확산</a:t>
-            </a:r>
-            <a:endParaRPr lang="en-US" altLang="ko-KR" sz="2500" b="1" dirty="0"/>
+            <a:endParaRPr lang="en-US" altLang="ko-KR" sz="2500" b="1" dirty="0">
+              <a:latin typeface="나눔고딕" panose="020D0604000000000000" pitchFamily="50" charset="-127"/>
+              <a:ea typeface="나눔고딕" panose="020D0604000000000000" pitchFamily="50" charset="-127"/>
+            </a:endParaRPr>
+          </a:p>
+          <a:p>
+            <a:r>
+              <a:rPr lang="en-US" sz="2500" b="1" dirty="0">
+                <a:latin typeface="나눔고딕" panose="020D0604000000000000" pitchFamily="50" charset="-127"/>
+                <a:ea typeface="나눔고딕" panose="020D0604000000000000" pitchFamily="50" charset="-127"/>
+              </a:rPr>
+              <a:t>- “ESG</a:t>
+            </a:r>
+            <a:r>
+              <a:rPr lang="ko-KR" altLang="en-US" sz="2500" b="1" dirty="0">
+                <a:latin typeface="나눔고딕" panose="020D0604000000000000" pitchFamily="50" charset="-127"/>
+                <a:ea typeface="나눔고딕" panose="020D0604000000000000" pitchFamily="50" charset="-127"/>
+              </a:rPr>
+              <a:t>와 친환경 트렌드 확산</a:t>
+            </a:r>
+            <a:endParaRPr lang="en-US" altLang="ko-KR" sz="2500" b="1" dirty="0">
+              <a:latin typeface="나눔고딕" panose="020D0604000000000000" pitchFamily="50" charset="-127"/>
+              <a:ea typeface="나눔고딕" panose="020D0604000000000000" pitchFamily="50" charset="-127"/>
+            </a:endParaRPr>
           </a:p>
           <a:p>
             <a:pPr marL="342900" indent="-342900">
@@ -7439,44 +8115,64 @@
               <a:buChar char="-"/>
             </a:pPr>
             <a:r>
-              <a:rPr lang="ko-KR" altLang="en-US" sz="2500" b="1" dirty="0"/>
-              <a:t>내연기관 </a:t>
-            </a:r>
-            <a:r>
-              <a:rPr lang="en-US" altLang="ko-KR" sz="2500" b="1" dirty="0"/>
+              <a:rPr lang="ko-KR" altLang="en-US" sz="2500" b="1" dirty="0">
+                <a:latin typeface="나눔고딕" panose="020D0604000000000000" pitchFamily="50" charset="-127"/>
+                <a:ea typeface="나눔고딕" panose="020D0604000000000000" pitchFamily="50" charset="-127"/>
+              </a:rPr>
+              <a:t>내연기관차량에서 </a:t>
+            </a:r>
+            <a:r>
+              <a:rPr lang="en-US" altLang="ko-KR" sz="2500" b="1" dirty="0">
+                <a:latin typeface="나눔고딕" panose="020D0604000000000000" pitchFamily="50" charset="-127"/>
+                <a:ea typeface="나눔고딕" panose="020D0604000000000000" pitchFamily="50" charset="-127"/>
+              </a:rPr>
               <a:t>-&gt; </a:t>
             </a:r>
             <a:r>
-              <a:rPr lang="ko-KR" altLang="en-US" sz="2500" b="1" dirty="0"/>
+              <a:rPr lang="ko-KR" altLang="en-US" sz="2500" b="1" dirty="0">
+                <a:latin typeface="나눔고딕" panose="020D0604000000000000" pitchFamily="50" charset="-127"/>
+                <a:ea typeface="나눔고딕" panose="020D0604000000000000" pitchFamily="50" charset="-127"/>
+              </a:rPr>
               <a:t>전기</a:t>
             </a:r>
             <a:r>
-              <a:rPr lang="en-US" altLang="ko-KR" sz="2500" b="1" dirty="0"/>
+              <a:rPr lang="en-US" altLang="ko-KR" sz="2500" b="1" dirty="0">
+                <a:latin typeface="나눔고딕" panose="020D0604000000000000" pitchFamily="50" charset="-127"/>
+                <a:ea typeface="나눔고딕" panose="020D0604000000000000" pitchFamily="50" charset="-127"/>
+              </a:rPr>
               <a:t>·</a:t>
             </a:r>
             <a:r>
-              <a:rPr lang="ko-KR" altLang="en-US" sz="2500" b="1" dirty="0"/>
+              <a:rPr lang="ko-KR" altLang="en-US" sz="2500" b="1" dirty="0">
+                <a:latin typeface="나눔고딕" panose="020D0604000000000000" pitchFamily="50" charset="-127"/>
+                <a:ea typeface="나눔고딕" panose="020D0604000000000000" pitchFamily="50" charset="-127"/>
+              </a:rPr>
               <a:t>수소</a:t>
             </a:r>
             <a:r>
-              <a:rPr lang="en-US" altLang="ko-KR" sz="2500" b="1" dirty="0"/>
+              <a:rPr lang="en-US" altLang="ko-KR" sz="2500" b="1" dirty="0">
+                <a:latin typeface="나눔고딕" panose="020D0604000000000000" pitchFamily="50" charset="-127"/>
+                <a:ea typeface="나눔고딕" panose="020D0604000000000000" pitchFamily="50" charset="-127"/>
+              </a:rPr>
               <a:t>·</a:t>
             </a:r>
             <a:r>
-              <a:rPr lang="ko-KR" altLang="en-US" sz="2500" b="1" dirty="0"/>
-              <a:t>하이브리드 전환</a:t>
-            </a:r>
-            <a:endParaRPr lang="en-US" altLang="ko-KR" sz="2500" b="1" dirty="0"/>
-          </a:p>
-          <a:p>
-            <a:r>
-              <a:rPr lang="ko-KR" altLang="en-US" sz="2500" b="1" dirty="0"/>
-              <a:t>   속도</a:t>
-            </a:r>
-            <a:endParaRPr lang="en-US" altLang="ko-KR" sz="2500" b="1" dirty="0"/>
-          </a:p>
-          <a:p>
-            <a:endParaRPr lang="en-US" altLang="ko-KR" b="1" dirty="0"/>
+              <a:rPr lang="ko-KR" altLang="en-US" sz="2500" b="1" dirty="0">
+                <a:latin typeface="나눔고딕" panose="020D0604000000000000" pitchFamily="50" charset="-127"/>
+                <a:ea typeface="나눔고딕" panose="020D0604000000000000" pitchFamily="50" charset="-127"/>
+              </a:rPr>
+              <a:t>하이브리드로 전환되는 추세</a:t>
+            </a:r>
+            <a:endParaRPr lang="en-US" altLang="ko-KR" sz="2500" b="1" dirty="0">
+              <a:latin typeface="나눔고딕" panose="020D0604000000000000" pitchFamily="50" charset="-127"/>
+              <a:ea typeface="나눔고딕" panose="020D0604000000000000" pitchFamily="50" charset="-127"/>
+            </a:endParaRPr>
+          </a:p>
+          <a:p>
+            <a:endParaRPr lang="en-US" altLang="ko-KR" b="1" dirty="0">
+              <a:latin typeface="나눔고딕" panose="020D0604000000000000" pitchFamily="50" charset="-127"/>
+              <a:ea typeface="나눔고딕" panose="020D0604000000000000" pitchFamily="50" charset="-127"/>
+            </a:endParaRPr>
           </a:p>
         </p:txBody>
       </p:sp>
@@ -7494,8 +8190,8 @@
         </p:nvSpPr>
         <p:spPr>
           <a:xfrm>
-            <a:off x="1359711" y="3784373"/>
-            <a:ext cx="6994526" cy="1754326"/>
+            <a:off x="1359710" y="3784373"/>
+            <a:ext cx="8729169" cy="1754326"/>
           </a:xfrm>
           <a:prstGeom prst="rect">
             <a:avLst/>
@@ -7509,60 +8205,96 @@
           <a:lstStyle/>
           <a:p>
             <a:pPr algn="just"/>
-            <a:endParaRPr lang="ko-KR" altLang="en-US" dirty="0"/>
+            <a:endParaRPr lang="ko-KR" altLang="en-US" dirty="0">
+              <a:latin typeface="나눔고딕" panose="020D0604000000000000" pitchFamily="50" charset="-127"/>
+              <a:ea typeface="나눔고딕" panose="020D0604000000000000" pitchFamily="50" charset="-127"/>
+            </a:endParaRPr>
           </a:p>
           <a:p>
             <a:pPr algn="just"/>
             <a:r>
-              <a:rPr lang="en-US" altLang="ko-KR" sz="2400" b="1" spc="-150" dirty="0"/>
+              <a:rPr lang="en-US" altLang="ko-KR" sz="2400" b="1" dirty="0">
+                <a:latin typeface="나눔고딕" panose="020D0604000000000000" pitchFamily="50" charset="-127"/>
+                <a:ea typeface="나눔고딕" panose="020D0604000000000000" pitchFamily="50" charset="-127"/>
+              </a:rPr>
               <a:t>2. </a:t>
             </a:r>
             <a:r>
-              <a:rPr lang="ko-KR" altLang="en-US" sz="2400" b="1" spc="-150" dirty="0"/>
+              <a:rPr lang="ko-KR" altLang="en-US" sz="2400" b="1" dirty="0">
+                <a:latin typeface="나눔고딕" panose="020D0604000000000000" pitchFamily="50" charset="-127"/>
+                <a:ea typeface="나눔고딕" panose="020D0604000000000000" pitchFamily="50" charset="-127"/>
+              </a:rPr>
               <a:t>프로젝트 목표</a:t>
             </a:r>
           </a:p>
           <a:p>
             <a:pPr algn="just"/>
             <a:r>
-              <a:rPr lang="en-US" altLang="ko-KR" sz="2400" b="1" spc="-150" dirty="0"/>
+              <a:rPr lang="en-US" altLang="ko-KR" sz="2400" b="1" dirty="0">
+                <a:latin typeface="나눔고딕" panose="020D0604000000000000" pitchFamily="50" charset="-127"/>
+                <a:ea typeface="나눔고딕" panose="020D0604000000000000" pitchFamily="50" charset="-127"/>
+              </a:rPr>
               <a:t>- </a:t>
             </a:r>
             <a:r>
-              <a:rPr lang="ko-KR" altLang="en-US" sz="2400" b="1" spc="-150" dirty="0"/>
+              <a:rPr lang="ko-KR" altLang="en-US" sz="2400" b="1" dirty="0">
+                <a:latin typeface="나눔고딕" panose="020D0604000000000000" pitchFamily="50" charset="-127"/>
+                <a:ea typeface="나눔고딕" panose="020D0604000000000000" pitchFamily="50" charset="-127"/>
+              </a:rPr>
               <a:t>데이터를 통해 </a:t>
             </a:r>
             <a:r>
-              <a:rPr lang="en-US" altLang="ko-KR" sz="2400" b="1" spc="-150" dirty="0"/>
+              <a:rPr lang="en-US" altLang="ko-KR" sz="2400" b="1" dirty="0">
+                <a:latin typeface="나눔고딕" panose="020D0604000000000000" pitchFamily="50" charset="-127"/>
+                <a:ea typeface="나눔고딕" panose="020D0604000000000000" pitchFamily="50" charset="-127"/>
+              </a:rPr>
               <a:t>10</a:t>
             </a:r>
             <a:r>
-              <a:rPr lang="ko-KR" altLang="en-US" sz="2400" b="1" spc="-150" dirty="0"/>
+              <a:rPr lang="ko-KR" altLang="en-US" sz="2400" b="1" dirty="0">
+                <a:latin typeface="나눔고딕" panose="020D0604000000000000" pitchFamily="50" charset="-127"/>
+                <a:ea typeface="나눔고딕" panose="020D0604000000000000" pitchFamily="50" charset="-127"/>
+              </a:rPr>
               <a:t>년간 차량 등록 변화 추이 분석</a:t>
             </a:r>
           </a:p>
           <a:p>
             <a:pPr algn="just"/>
             <a:r>
-              <a:rPr lang="en-US" altLang="ko-KR" sz="2400" b="1" spc="-150" dirty="0"/>
+              <a:rPr lang="en-US" altLang="ko-KR" sz="2400" b="1" dirty="0">
+                <a:latin typeface="나눔고딕" panose="020D0604000000000000" pitchFamily="50" charset="-127"/>
+                <a:ea typeface="나눔고딕" panose="020D0604000000000000" pitchFamily="50" charset="-127"/>
+              </a:rPr>
               <a:t>- </a:t>
             </a:r>
             <a:r>
-              <a:rPr lang="ko-KR" altLang="en-US" sz="2400" b="1" spc="-150" dirty="0"/>
+              <a:rPr lang="ko-KR" altLang="en-US" sz="2400" b="1" dirty="0">
+                <a:latin typeface="나눔고딕" panose="020D0604000000000000" pitchFamily="50" charset="-127"/>
+                <a:ea typeface="나눔고딕" panose="020D0604000000000000" pitchFamily="50" charset="-127"/>
+              </a:rPr>
               <a:t>친환경차와 </a:t>
             </a:r>
             <a:r>
-              <a:rPr lang="ko-KR" altLang="en-US" sz="2400" b="1" spc="-150" dirty="0" err="1"/>
+              <a:rPr lang="ko-KR" altLang="en-US" sz="2400" b="1" dirty="0" err="1">
+                <a:latin typeface="나눔고딕" panose="020D0604000000000000" pitchFamily="50" charset="-127"/>
+                <a:ea typeface="나눔고딕" panose="020D0604000000000000" pitchFamily="50" charset="-127"/>
+              </a:rPr>
               <a:t>비친환경차의</a:t>
             </a:r>
             <a:r>
-              <a:rPr lang="ko-KR" altLang="en-US" sz="2400" b="1" spc="-150" dirty="0"/>
+              <a:rPr lang="ko-KR" altLang="en-US" sz="2400" b="1" dirty="0">
+                <a:latin typeface="나눔고딕" panose="020D0604000000000000" pitchFamily="50" charset="-127"/>
+                <a:ea typeface="나눔고딕" panose="020D0604000000000000" pitchFamily="50" charset="-127"/>
+              </a:rPr>
               <a:t> 시장 점유율 차이 시각화</a:t>
             </a:r>
           </a:p>
           <a:p>
             <a:pPr algn="just"/>
-            <a:endParaRPr lang="en-US" altLang="ko-KR" b="1" dirty="0"/>
+            <a:endParaRPr lang="en-US" altLang="ko-KR" b="1" dirty="0">
+              <a:latin typeface="나눔고딕" panose="020D0604000000000000" pitchFamily="50" charset="-127"/>
+              <a:ea typeface="나눔고딕" panose="020D0604000000000000" pitchFamily="50" charset="-127"/>
+            </a:endParaRPr>
           </a:p>
         </p:txBody>
       </p:sp>
@@ -7623,7 +8355,10 @@
             <a:avLst/>
           </a:prstGeom>
           <a:solidFill>
-            <a:srgbClr val="E8F5E9"/>
+            <a:schemeClr val="accent6">
+              <a:lumMod val="20000"/>
+              <a:lumOff val="80000"/>
+            </a:schemeClr>
           </a:solidFill>
           <a:ln>
             <a:noFill/>
@@ -7720,8 +8455,8 @@
         </p:nvSpPr>
         <p:spPr>
           <a:xfrm>
-            <a:off x="4793884" y="1590506"/>
-            <a:ext cx="2604231" cy="707886"/>
+            <a:off x="2843684" y="424571"/>
+            <a:ext cx="5918479" cy="861774"/>
           </a:xfrm>
           <a:prstGeom prst="rect">
             <a:avLst/>
@@ -7734,11 +8469,18 @@
           </a:bodyPr>
           <a:lstStyle/>
           <a:p>
-            <a:r>
-              <a:rPr lang="ko-KR" altLang="en-US" sz="4000" b="1" dirty="0"/>
+            <a:pPr algn="ctr"/>
+            <a:r>
+              <a:rPr lang="ko-KR" altLang="en-US" sz="5000" b="1" dirty="0">
+                <a:latin typeface="나눔고딕" panose="020D0604000000000000" pitchFamily="50" charset="-127"/>
+                <a:ea typeface="나눔고딕" panose="020D0604000000000000" pitchFamily="50" charset="-127"/>
+              </a:rPr>
               <a:t>기술 스택</a:t>
             </a:r>
-            <a:endParaRPr sz="4000" b="1" dirty="0"/>
+            <a:endParaRPr sz="5000" b="1" dirty="0">
+              <a:latin typeface="나눔고딕" panose="020D0604000000000000" pitchFamily="50" charset="-127"/>
+              <a:ea typeface="나눔고딕" panose="020D0604000000000000" pitchFamily="50" charset="-127"/>
+            </a:endParaRPr>
           </a:p>
         </p:txBody>
       </p:sp>
@@ -7764,7 +8506,7 @@
         </p:blipFill>
         <p:spPr>
           <a:xfrm>
-            <a:off x="1221438" y="4248954"/>
+            <a:off x="1261630" y="4248954"/>
             <a:ext cx="919947" cy="919947"/>
           </a:xfrm>
           <a:prstGeom prst="rect">
@@ -7794,7 +8536,7 @@
         </p:blipFill>
         <p:spPr>
           <a:xfrm>
-            <a:off x="3832056" y="4249053"/>
+            <a:off x="3872248" y="4249053"/>
             <a:ext cx="919947" cy="919947"/>
           </a:xfrm>
           <a:prstGeom prst="rect">
@@ -7824,7 +8566,7 @@
         </p:blipFill>
         <p:spPr>
           <a:xfrm>
-            <a:off x="6563249" y="4249053"/>
+            <a:off x="6744113" y="4249053"/>
             <a:ext cx="1050333" cy="919947"/>
           </a:xfrm>
           <a:prstGeom prst="rect">
@@ -7854,7 +8596,7 @@
         </p:blipFill>
         <p:spPr>
           <a:xfrm>
-            <a:off x="9555611" y="4131859"/>
+            <a:off x="9726429" y="4131859"/>
             <a:ext cx="1037141" cy="1037141"/>
           </a:xfrm>
           <a:prstGeom prst="rect">
@@ -7876,7 +8618,7 @@
         </p:nvSpPr>
         <p:spPr>
           <a:xfrm>
-            <a:off x="1096586" y="5204765"/>
+            <a:off x="1136778" y="5204765"/>
             <a:ext cx="1290576" cy="369332"/>
           </a:xfrm>
           <a:prstGeom prst="rect">
@@ -7891,10 +8633,16 @@
           <a:lstStyle/>
           <a:p>
             <a:r>
-              <a:rPr lang="ko-KR" altLang="en-US" b="1" dirty="0"/>
+              <a:rPr lang="ko-KR" altLang="en-US" b="1" dirty="0">
+                <a:latin typeface="나눔고딕" panose="020D0604000000000000" pitchFamily="50" charset="-127"/>
+                <a:ea typeface="나눔고딕" panose="020D0604000000000000" pitchFamily="50" charset="-127"/>
+              </a:rPr>
               <a:t>개발 도구</a:t>
             </a:r>
-            <a:endParaRPr b="1" dirty="0"/>
+            <a:endParaRPr b="1" dirty="0">
+              <a:latin typeface="나눔고딕" panose="020D0604000000000000" pitchFamily="50" charset="-127"/>
+              <a:ea typeface="나눔고딕" panose="020D0604000000000000" pitchFamily="50" charset="-127"/>
+            </a:endParaRPr>
           </a:p>
         </p:txBody>
       </p:sp>
@@ -7912,7 +8660,7 @@
         </p:nvSpPr>
         <p:spPr>
           <a:xfrm>
-            <a:off x="9513411" y="5264112"/>
+            <a:off x="9714371" y="5264112"/>
             <a:ext cx="1373570" cy="369332"/>
           </a:xfrm>
           <a:prstGeom prst="rect">
@@ -7927,10 +8675,16 @@
           <a:lstStyle/>
           <a:p>
             <a:r>
-              <a:rPr lang="ko-KR" altLang="en-US" b="1" dirty="0"/>
+              <a:rPr lang="ko-KR" altLang="en-US" b="1" dirty="0">
+                <a:latin typeface="나눔고딕" panose="020D0604000000000000" pitchFamily="50" charset="-127"/>
+                <a:ea typeface="나눔고딕" panose="020D0604000000000000" pitchFamily="50" charset="-127"/>
+              </a:rPr>
               <a:t>형성관리</a:t>
             </a:r>
-            <a:endParaRPr b="1" dirty="0"/>
+            <a:endParaRPr b="1" dirty="0">
+              <a:latin typeface="나눔고딕" panose="020D0604000000000000" pitchFamily="50" charset="-127"/>
+              <a:ea typeface="나눔고딕" panose="020D0604000000000000" pitchFamily="50" charset="-127"/>
+            </a:endParaRPr>
           </a:p>
         </p:txBody>
       </p:sp>
@@ -7948,7 +8702,7 @@
         </p:nvSpPr>
         <p:spPr>
           <a:xfrm>
-            <a:off x="9640411" y="5604875"/>
+            <a:off x="9800004" y="5641362"/>
             <a:ext cx="1373570" cy="369332"/>
           </a:xfrm>
           <a:prstGeom prst="rect">
@@ -7963,10 +8717,16 @@
           <a:lstStyle/>
           <a:p>
             <a:r>
-              <a:rPr lang="en-US" b="1" dirty="0"/>
+              <a:rPr lang="en-US" b="1" dirty="0">
+                <a:latin typeface="나눔고딕" panose="020D0604000000000000" pitchFamily="50" charset="-127"/>
+                <a:ea typeface="나눔고딕" panose="020D0604000000000000" pitchFamily="50" charset="-127"/>
+              </a:rPr>
               <a:t>GitHub</a:t>
             </a:r>
-            <a:endParaRPr b="1" dirty="0"/>
+            <a:endParaRPr b="1" dirty="0">
+              <a:latin typeface="나눔고딕" panose="020D0604000000000000" pitchFamily="50" charset="-127"/>
+              <a:ea typeface="나눔고딕" panose="020D0604000000000000" pitchFamily="50" charset="-127"/>
+            </a:endParaRPr>
           </a:p>
         </p:txBody>
       </p:sp>
@@ -7984,7 +8744,7 @@
         </p:nvSpPr>
         <p:spPr>
           <a:xfrm>
-            <a:off x="6682014" y="5272030"/>
+            <a:off x="6812638" y="5272030"/>
             <a:ext cx="1373570" cy="369332"/>
           </a:xfrm>
           <a:prstGeom prst="rect">
@@ -7999,10 +8759,16 @@
           <a:lstStyle/>
           <a:p>
             <a:r>
-              <a:rPr lang="ko-KR" altLang="en-US" b="1" dirty="0" err="1"/>
-              <a:t>백엔드</a:t>
-            </a:r>
-            <a:endParaRPr b="1" dirty="0"/>
+              <a:rPr lang="ko-KR" altLang="en-US" b="1" dirty="0" err="1">
+                <a:latin typeface="나눔고딕" panose="020D0604000000000000" pitchFamily="50" charset="-127"/>
+                <a:ea typeface="나눔고딕" panose="020D0604000000000000" pitchFamily="50" charset="-127"/>
+              </a:rPr>
+              <a:t>백앤드</a:t>
+            </a:r>
+            <a:endParaRPr b="1" dirty="0">
+              <a:latin typeface="나눔고딕" panose="020D0604000000000000" pitchFamily="50" charset="-127"/>
+              <a:ea typeface="나눔고딕" panose="020D0604000000000000" pitchFamily="50" charset="-127"/>
+            </a:endParaRPr>
           </a:p>
         </p:txBody>
       </p:sp>
@@ -8020,7 +8786,7 @@
         </p:nvSpPr>
         <p:spPr>
           <a:xfrm>
-            <a:off x="6491514" y="5633210"/>
+            <a:off x="6441509" y="5633210"/>
             <a:ext cx="1776617" cy="369332"/>
           </a:xfrm>
           <a:prstGeom prst="rect">
@@ -8035,14 +8801,23 @@
           <a:lstStyle/>
           <a:p>
             <a:r>
-              <a:rPr lang="en-US" b="1" dirty="0"/>
+              <a:rPr lang="en-US" b="1" dirty="0">
+                <a:latin typeface="나눔고딕" panose="020D0604000000000000" pitchFamily="50" charset="-127"/>
+                <a:ea typeface="나눔고딕" panose="020D0604000000000000" pitchFamily="50" charset="-127"/>
+              </a:rPr>
               <a:t>Python, </a:t>
             </a:r>
             <a:r>
-              <a:rPr lang="en-US" b="1" dirty="0" err="1"/>
+              <a:rPr lang="en-US" b="1" dirty="0" err="1">
+                <a:latin typeface="나눔고딕" panose="020D0604000000000000" pitchFamily="50" charset="-127"/>
+                <a:ea typeface="나눔고딕" panose="020D0604000000000000" pitchFamily="50" charset="-127"/>
+              </a:rPr>
               <a:t>Mysql</a:t>
             </a:r>
-            <a:endParaRPr b="1" dirty="0"/>
+            <a:endParaRPr b="1" dirty="0">
+              <a:latin typeface="나눔고딕" panose="020D0604000000000000" pitchFamily="50" charset="-127"/>
+              <a:ea typeface="나눔고딕" panose="020D0604000000000000" pitchFamily="50" charset="-127"/>
+            </a:endParaRPr>
           </a:p>
         </p:txBody>
       </p:sp>
@@ -8060,7 +8835,7 @@
         </p:nvSpPr>
         <p:spPr>
           <a:xfrm>
-            <a:off x="3705055" y="5219852"/>
+            <a:off x="3745247" y="5270092"/>
             <a:ext cx="1373570" cy="369332"/>
           </a:xfrm>
           <a:prstGeom prst="rect">
@@ -8075,10 +8850,16 @@
           <a:lstStyle/>
           <a:p>
             <a:r>
-              <a:rPr lang="ko-KR" altLang="en-US" b="1" dirty="0" err="1"/>
-              <a:t>프론트엔드</a:t>
-            </a:r>
-            <a:endParaRPr b="1" dirty="0"/>
+              <a:rPr lang="ko-KR" altLang="en-US" b="1" dirty="0" err="1">
+                <a:latin typeface="나눔고딕" panose="020D0604000000000000" pitchFamily="50" charset="-127"/>
+                <a:ea typeface="나눔고딕" panose="020D0604000000000000" pitchFamily="50" charset="-127"/>
+              </a:rPr>
+              <a:t>프론트앤드</a:t>
+            </a:r>
+            <a:endParaRPr b="1" dirty="0">
+              <a:latin typeface="나눔고딕" panose="020D0604000000000000" pitchFamily="50" charset="-127"/>
+              <a:ea typeface="나눔고딕" panose="020D0604000000000000" pitchFamily="50" charset="-127"/>
+            </a:endParaRPr>
           </a:p>
         </p:txBody>
       </p:sp>
@@ -8096,7 +8877,7 @@
         </p:nvSpPr>
         <p:spPr>
           <a:xfrm>
-            <a:off x="3821468" y="5635206"/>
+            <a:off x="3768588" y="5633210"/>
             <a:ext cx="1171835" cy="369332"/>
           </a:xfrm>
           <a:prstGeom prst="rect">
@@ -8111,10 +8892,16 @@
           <a:lstStyle/>
           <a:p>
             <a:r>
-              <a:rPr lang="en-US" b="1" dirty="0" err="1"/>
+              <a:rPr lang="en-US" b="1" dirty="0" err="1">
+                <a:latin typeface="나눔고딕" panose="020D0604000000000000" pitchFamily="50" charset="-127"/>
+                <a:ea typeface="나눔고딕" panose="020D0604000000000000" pitchFamily="50" charset="-127"/>
+              </a:rPr>
               <a:t>Streamlit</a:t>
             </a:r>
-            <a:endParaRPr b="1" dirty="0"/>
+            <a:endParaRPr b="1" dirty="0">
+              <a:latin typeface="나눔고딕" panose="020D0604000000000000" pitchFamily="50" charset="-127"/>
+              <a:ea typeface="나눔고딕" panose="020D0604000000000000" pitchFamily="50" charset="-127"/>
+            </a:endParaRPr>
           </a:p>
         </p:txBody>
       </p:sp>
@@ -8132,8 +8919,8 @@
         </p:nvSpPr>
         <p:spPr>
           <a:xfrm>
-            <a:off x="1091108" y="5627284"/>
-            <a:ext cx="1582768" cy="369332"/>
+            <a:off x="930219" y="5626397"/>
+            <a:ext cx="1582768" cy="353943"/>
           </a:xfrm>
           <a:prstGeom prst="rect">
             <a:avLst/>
@@ -8147,18 +8934,23 @@
           <a:lstStyle/>
           <a:p>
             <a:r>
-              <a:rPr lang="en-US" b="1" spc="-150" dirty="0" err="1"/>
-              <a:t>Vscode</a:t>
-            </a:r>
-            <a:r>
-              <a:rPr lang="en-US" b="1" spc="-150" dirty="0"/>
-              <a:t>, </a:t>
-            </a:r>
-            <a:r>
-              <a:rPr lang="en-US" b="1" spc="-150" dirty="0" err="1"/>
-              <a:t>Mysql</a:t>
-            </a:r>
-            <a:endParaRPr b="1" spc="-150" dirty="0"/>
+              <a:rPr lang="en-US" sz="1700" b="1" spc="-150" dirty="0" err="1">
+                <a:latin typeface="나눔고딕" panose="020D0604000000000000" pitchFamily="50" charset="-127"/>
+                <a:ea typeface="나눔고딕" panose="020D0604000000000000" pitchFamily="50" charset="-127"/>
+              </a:rPr>
+              <a:t>VScode</a:t>
+            </a:r>
+            <a:r>
+              <a:rPr lang="en-US" sz="1700" b="1" spc="-150" dirty="0">
+                <a:latin typeface="나눔고딕" panose="020D0604000000000000" pitchFamily="50" charset="-127"/>
+                <a:ea typeface="나눔고딕" panose="020D0604000000000000" pitchFamily="50" charset="-127"/>
+              </a:rPr>
+              <a:t>, MySQL</a:t>
+            </a:r>
+            <a:endParaRPr sz="1700" b="1" spc="-150" dirty="0">
+              <a:latin typeface="나눔고딕" panose="020D0604000000000000" pitchFamily="50" charset="-127"/>
+              <a:ea typeface="나눔고딕" panose="020D0604000000000000" pitchFamily="50" charset="-127"/>
+            </a:endParaRPr>
           </a:p>
         </p:txBody>
       </p:sp>
@@ -8219,7 +9011,10 @@
             <a:avLst/>
           </a:prstGeom>
           <a:solidFill>
-            <a:srgbClr val="E8F5E9"/>
+            <a:schemeClr val="accent3">
+              <a:lumMod val="20000"/>
+              <a:lumOff val="80000"/>
+            </a:schemeClr>
           </a:solidFill>
           <a:ln>
             <a:noFill/>
@@ -8332,10 +9127,16 @@
           <a:p>
             <a:pPr algn="ctr"/>
             <a:r>
-              <a:rPr lang="ko-KR" altLang="en-US" sz="4000" b="1" dirty="0"/>
+              <a:rPr lang="ko-KR" altLang="en-US" sz="4000" b="1" dirty="0">
+                <a:latin typeface="나눔고딕" panose="020D0604000000000000" pitchFamily="50" charset="-127"/>
+                <a:ea typeface="나눔고딕" panose="020D0604000000000000" pitchFamily="50" charset="-127"/>
+              </a:rPr>
               <a:t>데이터 소개</a:t>
             </a:r>
-            <a:endParaRPr sz="4000" b="1" dirty="0"/>
+            <a:endParaRPr sz="4000" b="1" dirty="0">
+              <a:latin typeface="나눔고딕" panose="020D0604000000000000" pitchFamily="50" charset="-127"/>
+              <a:ea typeface="나눔고딕" panose="020D0604000000000000" pitchFamily="50" charset="-127"/>
+            </a:endParaRPr>
           </a:p>
         </p:txBody>
       </p:sp>
@@ -8369,10 +9170,16 @@
           <a:p>
             <a:pPr algn="ctr"/>
             <a:r>
-              <a:rPr lang="en-US" altLang="ko-KR" sz="3000" b="1" dirty="0" err="1"/>
+              <a:rPr lang="en-US" altLang="ko-KR" sz="3000" b="1" dirty="0" err="1">
+                <a:latin typeface="나눔고딕" panose="020D0604000000000000" pitchFamily="50" charset="-127"/>
+                <a:ea typeface="나눔고딕" panose="020D0604000000000000" pitchFamily="50" charset="-127"/>
+              </a:rPr>
               <a:t>Eseoul</a:t>
             </a:r>
-            <a:endParaRPr sz="2000" b="1" dirty="0"/>
+            <a:endParaRPr sz="2000" b="1" dirty="0">
+              <a:latin typeface="나눔고딕" panose="020D0604000000000000" pitchFamily="50" charset="-127"/>
+              <a:ea typeface="나눔고딕" panose="020D0604000000000000" pitchFamily="50" charset="-127"/>
+            </a:endParaRPr>
           </a:p>
         </p:txBody>
       </p:sp>
@@ -8505,7 +9312,10 @@
             <a:avLst/>
           </a:prstGeom>
           <a:solidFill>
-            <a:srgbClr val="E8F5E9"/>
+            <a:schemeClr val="accent3">
+              <a:lumMod val="20000"/>
+              <a:lumOff val="80000"/>
+            </a:schemeClr>
           </a:solidFill>
           <a:ln>
             <a:noFill/>
@@ -8618,10 +9428,16 @@
           <a:p>
             <a:pPr algn="ctr"/>
             <a:r>
-              <a:rPr lang="ko-KR" altLang="en-US" sz="4000" b="1" dirty="0"/>
+              <a:rPr lang="ko-KR" altLang="en-US" sz="4000" b="1" dirty="0">
+                <a:latin typeface="나눔고딕" panose="020D0604000000000000" pitchFamily="50" charset="-127"/>
+                <a:ea typeface="나눔고딕" panose="020D0604000000000000" pitchFamily="50" charset="-127"/>
+              </a:rPr>
               <a:t>데이터 소개</a:t>
             </a:r>
-            <a:endParaRPr sz="4000" b="1" dirty="0"/>
+            <a:endParaRPr sz="4000" b="1" dirty="0">
+              <a:latin typeface="나눔고딕" panose="020D0604000000000000" pitchFamily="50" charset="-127"/>
+              <a:ea typeface="나눔고딕" panose="020D0604000000000000" pitchFamily="50" charset="-127"/>
+            </a:endParaRPr>
           </a:p>
         </p:txBody>
       </p:sp>
@@ -8655,10 +9471,16 @@
           <a:p>
             <a:pPr algn="ctr"/>
             <a:r>
-              <a:rPr lang="ko-KR" altLang="en-US" sz="2500" b="1" dirty="0"/>
+              <a:rPr lang="ko-KR" altLang="en-US" sz="2500" b="1" dirty="0">
+                <a:latin typeface="나눔고딕" panose="020D0604000000000000" pitchFamily="50" charset="-127"/>
+                <a:ea typeface="나눔고딕" panose="020D0604000000000000" pitchFamily="50" charset="-127"/>
+              </a:rPr>
               <a:t>국토교통 통계누리</a:t>
             </a:r>
-            <a:endParaRPr sz="2500" b="1" dirty="0"/>
+            <a:endParaRPr sz="2500" b="1" dirty="0">
+              <a:latin typeface="나눔고딕" panose="020D0604000000000000" pitchFamily="50" charset="-127"/>
+              <a:ea typeface="나눔고딕" panose="020D0604000000000000" pitchFamily="50" charset="-127"/>
+            </a:endParaRPr>
           </a:p>
         </p:txBody>
       </p:sp>
@@ -8750,8 +9572,8 @@
         </p:blipFill>
         <p:spPr>
           <a:xfrm>
-            <a:off x="5506497" y="1085222"/>
-            <a:ext cx="6511332" cy="2555600"/>
+            <a:off x="5506497" y="1231760"/>
+            <a:ext cx="6511332" cy="2409061"/>
           </a:xfrm>
           <a:prstGeom prst="rect">
             <a:avLst/>
@@ -8815,7 +9637,10 @@
             <a:avLst/>
           </a:prstGeom>
           <a:solidFill>
-            <a:srgbClr val="E8F5E9"/>
+            <a:schemeClr val="accent3">
+              <a:lumMod val="20000"/>
+              <a:lumOff val="80000"/>
+            </a:schemeClr>
           </a:solidFill>
           <a:ln>
             <a:noFill/>
@@ -8928,10 +9753,16 @@
           <a:p>
             <a:pPr algn="ctr"/>
             <a:r>
-              <a:rPr lang="ko-KR" altLang="en-US" sz="4000" b="1" dirty="0"/>
+              <a:rPr lang="ko-KR" altLang="en-US" sz="4000" b="1" dirty="0">
+                <a:latin typeface="나눔고딕" panose="020D0604000000000000" pitchFamily="50" charset="-127"/>
+                <a:ea typeface="나눔고딕" panose="020D0604000000000000" pitchFamily="50" charset="-127"/>
+              </a:rPr>
               <a:t>데이터 소개</a:t>
             </a:r>
-            <a:endParaRPr sz="4000" b="1" dirty="0"/>
+            <a:endParaRPr sz="4000" b="1" dirty="0">
+              <a:latin typeface="나눔고딕" panose="020D0604000000000000" pitchFamily="50" charset="-127"/>
+              <a:ea typeface="나눔고딕" panose="020D0604000000000000" pitchFamily="50" charset="-127"/>
+            </a:endParaRPr>
           </a:p>
         </p:txBody>
       </p:sp>
@@ -8965,14 +9796,23 @@
           <a:p>
             <a:pPr algn="ctr"/>
             <a:r>
-              <a:rPr lang="ko-KR" altLang="en-US" sz="2500" b="1" dirty="0"/>
+              <a:rPr lang="ko-KR" altLang="en-US" sz="2500" b="1" dirty="0">
+                <a:latin typeface="나눔고딕" panose="020D0604000000000000" pitchFamily="50" charset="-127"/>
+                <a:ea typeface="나눔고딕" panose="020D0604000000000000" pitchFamily="50" charset="-127"/>
+              </a:rPr>
               <a:t>현대자동차</a:t>
             </a:r>
             <a:r>
-              <a:rPr lang="en-US" altLang="ko-KR" sz="2500" b="1" dirty="0"/>
+              <a:rPr lang="en-US" altLang="ko-KR" sz="2500" b="1" dirty="0">
+                <a:latin typeface="나눔고딕" panose="020D0604000000000000" pitchFamily="50" charset="-127"/>
+                <a:ea typeface="나눔고딕" panose="020D0604000000000000" pitchFamily="50" charset="-127"/>
+              </a:rPr>
               <a:t>Q&amp;A</a:t>
             </a:r>
-            <a:endParaRPr sz="2500" b="1" dirty="0"/>
+            <a:endParaRPr sz="2500" b="1" dirty="0">
+              <a:latin typeface="나눔고딕" panose="020D0604000000000000" pitchFamily="50" charset="-127"/>
+              <a:ea typeface="나눔고딕" panose="020D0604000000000000" pitchFamily="50" charset="-127"/>
+            </a:endParaRPr>
           </a:p>
         </p:txBody>
       </p:sp>
@@ -9094,7 +9934,10 @@
             <a:avLst/>
           </a:prstGeom>
           <a:solidFill>
-            <a:srgbClr val="E8F5E9"/>
+            <a:schemeClr val="accent3">
+              <a:lumMod val="20000"/>
+              <a:lumOff val="80000"/>
+            </a:schemeClr>
           </a:solidFill>
           <a:ln>
             <a:noFill/>
@@ -9207,10 +10050,16 @@
           <a:p>
             <a:pPr algn="ctr"/>
             <a:r>
-              <a:rPr lang="ko-KR" altLang="en-US" sz="4000" b="1" dirty="0"/>
+              <a:rPr lang="ko-KR" altLang="en-US" sz="4000" b="1" dirty="0">
+                <a:latin typeface="나눔고딕" panose="020D0604000000000000" pitchFamily="50" charset="-127"/>
+                <a:ea typeface="나눔고딕" panose="020D0604000000000000" pitchFamily="50" charset="-127"/>
+              </a:rPr>
               <a:t>결과물 시연</a:t>
             </a:r>
-            <a:endParaRPr sz="4000" b="1" dirty="0"/>
+            <a:endParaRPr sz="4000" b="1" dirty="0">
+              <a:latin typeface="나눔고딕" panose="020D0604000000000000" pitchFamily="50" charset="-127"/>
+              <a:ea typeface="나눔고딕" panose="020D0604000000000000" pitchFamily="50" charset="-127"/>
+            </a:endParaRPr>
           </a:p>
         </p:txBody>
       </p:sp>
@@ -9244,14 +10093,23 @@
           <a:p>
             <a:pPr algn="ctr"/>
             <a:r>
-              <a:rPr lang="en-US" sz="2000" b="1" dirty="0"/>
+              <a:rPr lang="en-US" sz="2000" b="1" dirty="0">
+                <a:latin typeface="나눔고딕" panose="020D0604000000000000" pitchFamily="50" charset="-127"/>
+                <a:ea typeface="나눔고딕" panose="020D0604000000000000" pitchFamily="50" charset="-127"/>
+              </a:rPr>
               <a:t>Crawling </a:t>
             </a:r>
             <a:r>
-              <a:rPr lang="ko-KR" altLang="en-US" sz="2000" b="1" dirty="0"/>
+              <a:rPr lang="ko-KR" altLang="en-US" sz="2000" b="1" dirty="0">
+                <a:latin typeface="나눔고딕" panose="020D0604000000000000" pitchFamily="50" charset="-127"/>
+                <a:ea typeface="나눔고딕" panose="020D0604000000000000" pitchFamily="50" charset="-127"/>
+              </a:rPr>
               <a:t>코드실행</a:t>
             </a:r>
-            <a:endParaRPr sz="2000" b="1" dirty="0"/>
+            <a:endParaRPr sz="2000" b="1" dirty="0">
+              <a:latin typeface="나눔고딕" panose="020D0604000000000000" pitchFamily="50" charset="-127"/>
+              <a:ea typeface="나눔고딕" panose="020D0604000000000000" pitchFamily="50" charset="-127"/>
+            </a:endParaRPr>
           </a:p>
         </p:txBody>
       </p:sp>
@@ -9342,7 +10200,10 @@
             <a:avLst/>
           </a:prstGeom>
           <a:solidFill>
-            <a:srgbClr val="E8F5E9"/>
+            <a:schemeClr val="accent3">
+              <a:lumMod val="20000"/>
+              <a:lumOff val="80000"/>
+            </a:schemeClr>
           </a:solidFill>
           <a:ln>
             <a:noFill/>
@@ -9455,10 +10316,16 @@
           <a:p>
             <a:pPr algn="ctr"/>
             <a:r>
-              <a:rPr lang="ko-KR" altLang="en-US" sz="4000" b="1" dirty="0"/>
+              <a:rPr lang="ko-KR" altLang="en-US" sz="4000" b="1" dirty="0">
+                <a:latin typeface="나눔고딕" panose="020D0604000000000000" pitchFamily="50" charset="-127"/>
+                <a:ea typeface="나눔고딕" panose="020D0604000000000000" pitchFamily="50" charset="-127"/>
+              </a:rPr>
               <a:t>결과물 시연</a:t>
             </a:r>
-            <a:endParaRPr sz="4000" b="1" dirty="0"/>
+            <a:endParaRPr sz="4000" b="1" dirty="0">
+              <a:latin typeface="나눔고딕" panose="020D0604000000000000" pitchFamily="50" charset="-127"/>
+              <a:ea typeface="나눔고딕" panose="020D0604000000000000" pitchFamily="50" charset="-127"/>
+            </a:endParaRPr>
           </a:p>
         </p:txBody>
       </p:sp>
@@ -9492,19 +10359,46 @@
           <a:p>
             <a:pPr algn="ctr"/>
             <a:r>
-              <a:rPr lang="en-US" sz="2000" b="1" dirty="0"/>
-              <a:t>GitHub</a:t>
-            </a:r>
-            <a:endParaRPr sz="2000" b="1" dirty="0"/>
+              <a:rPr lang="en-US" sz="2000" b="1" dirty="0">
+                <a:latin typeface="나눔고딕" panose="020D0604000000000000" pitchFamily="50" charset="-127"/>
+                <a:ea typeface="나눔고딕" panose="020D0604000000000000" pitchFamily="50" charset="-127"/>
+              </a:rPr>
+              <a:t>GitHub(</a:t>
+            </a:r>
+            <a:r>
+              <a:rPr lang="en-US" sz="2000" b="1" dirty="0" err="1">
+                <a:latin typeface="나눔고딕" panose="020D0604000000000000" pitchFamily="50" charset="-127"/>
+                <a:ea typeface="나눔고딕" panose="020D0604000000000000" pitchFamily="50" charset="-127"/>
+              </a:rPr>
+              <a:t>Vscode</a:t>
+            </a:r>
+            <a:r>
+              <a:rPr lang="ko-KR" altLang="en-US" sz="2000" b="1" dirty="0">
+                <a:latin typeface="나눔고딕" panose="020D0604000000000000" pitchFamily="50" charset="-127"/>
+                <a:ea typeface="나눔고딕" panose="020D0604000000000000" pitchFamily="50" charset="-127"/>
+              </a:rPr>
+              <a:t>와 연동</a:t>
+            </a:r>
+            <a:r>
+              <a:rPr lang="en-US" altLang="ko-KR" sz="2000" b="1" dirty="0">
+                <a:latin typeface="나눔고딕" panose="020D0604000000000000" pitchFamily="50" charset="-127"/>
+                <a:ea typeface="나눔고딕" panose="020D0604000000000000" pitchFamily="50" charset="-127"/>
+              </a:rPr>
+              <a:t>)</a:t>
+            </a:r>
+            <a:endParaRPr sz="2000" b="1" dirty="0">
+              <a:latin typeface="나눔고딕" panose="020D0604000000000000" pitchFamily="50" charset="-127"/>
+              <a:ea typeface="나눔고딕" panose="020D0604000000000000" pitchFamily="50" charset="-127"/>
+            </a:endParaRPr>
           </a:p>
         </p:txBody>
       </p:sp>
       <p:pic>
         <p:nvPicPr>
-          <p:cNvPr id="5" name="그림 4" descr="텍스트, 스크린샷, 소프트웨어, 멀티미디어 소프트웨어이(가) 표시된 사진&#10;&#10;AI 생성 콘텐츠는 정확하지 않을 수 있습니다.">
-            <a:extLst>
-              <a:ext uri="{FF2B5EF4-FFF2-40B4-BE49-F238E27FC236}">
-                <a16:creationId xmlns:a16="http://schemas.microsoft.com/office/drawing/2014/main" id="{C079D419-0438-129D-EF77-48479828D6C5}"/>
+          <p:cNvPr id="6" name="그림 5" descr="텍스트, 스크린샷, 소프트웨어, 멀티미디어 소프트웨어이(가) 표시된 사진&#10;&#10;AI 생성 콘텐츠는 정확하지 않을 수 있습니다.">
+            <a:extLst>
+              <a:ext uri="{FF2B5EF4-FFF2-40B4-BE49-F238E27FC236}">
+                <a16:creationId xmlns:a16="http://schemas.microsoft.com/office/drawing/2014/main" id="{B4518E5A-69B6-F182-76DF-4E24E72BEBF7}"/>
               </a:ext>
             </a:extLst>
           </p:cNvPr>
@@ -9527,8 +10421,8 @@
         </p:blipFill>
         <p:spPr>
           <a:xfrm>
-            <a:off x="846492" y="1341305"/>
-            <a:ext cx="10004623" cy="5069543"/>
+            <a:off x="661471" y="1151968"/>
+            <a:ext cx="11004665" cy="5690958"/>
           </a:xfrm>
           <a:prstGeom prst="rect">
             <a:avLst/>
